--- a/outline_advanced.pptx
+++ b/outline_advanced.pptx
@@ -3204,11 +3204,7 @@
           <a:p>
             <a:r>
               <a:rPr lang="en-GB" dirty="0" smtClean="0"/>
-              <a:t>Advanced (KS3) </a:t>
-            </a:r>
-            <a:r>
-              <a:rPr lang="en-GB" dirty="0" smtClean="0"/>
-              <a:t>version</a:t>
+              <a:t>Advanced (KS3) version</a:t>
             </a:r>
             <a:endParaRPr lang="en-GB" dirty="0"/>
           </a:p>
@@ -3265,11 +3261,7 @@
             </a:r>
             <a:r>
               <a:rPr lang="en-GB" dirty="0" smtClean="0"/>
-              <a:t>. </a:t>
-            </a:r>
-            <a:r>
-              <a:rPr lang="en-GB" dirty="0" smtClean="0"/>
-              <a:t>Select rocket</a:t>
+              <a:t>. Select rocket</a:t>
             </a:r>
             <a:endParaRPr lang="en-GB" dirty="0"/>
           </a:p>
@@ -3506,23 +3498,65 @@
       </p:sp>
       <p:sp>
         <p:nvSpPr>
-          <p:cNvPr id="8" name="Rectangle 7"/>
-          <p:cNvSpPr/>
-          <p:nvPr/>
-        </p:nvSpPr>
-        <p:spPr>
-          <a:xfrm>
-            <a:off x="6235700" y="1825625"/>
-            <a:ext cx="2279650" cy="418042"/>
+          <p:cNvPr id="11" name="TextBox 10"/>
+          <p:cNvSpPr txBox="1"/>
+          <p:nvPr/>
+        </p:nvSpPr>
+        <p:spPr>
+          <a:xfrm>
+            <a:off x="7743585" y="5056252"/>
+            <a:ext cx="1045703" cy="461665"/>
           </a:xfrm>
           <a:prstGeom prst="rect">
             <a:avLst/>
           </a:prstGeom>
           <a:solidFill>
-            <a:schemeClr val="tx1"/>
+            <a:schemeClr val="bg1"/>
           </a:solidFill>
           <a:ln>
-            <a:noFill/>
+            <a:solidFill>
+              <a:srgbClr val="FF0000"/>
+            </a:solidFill>
+          </a:ln>
+        </p:spPr>
+        <p:txBody>
+          <a:bodyPr wrap="square" rtlCol="0">
+            <a:spAutoFit/>
+          </a:bodyPr>
+          <a:lstStyle/>
+          <a:p>
+            <a:r>
+              <a:rPr lang="en-GB" sz="800" dirty="0" smtClean="0">
+                <a:solidFill>
+                  <a:srgbClr val="FF0000"/>
+                </a:solidFill>
+              </a:rPr>
+              <a:t>Navigation only shows if launch is possible</a:t>
+            </a:r>
+          </a:p>
+        </p:txBody>
+      </p:sp>
+      <p:sp>
+        <p:nvSpPr>
+          <p:cNvPr id="12" name="Rectangle 11"/>
+          <p:cNvSpPr/>
+          <p:nvPr/>
+        </p:nvSpPr>
+        <p:spPr>
+          <a:xfrm>
+            <a:off x="2182175" y="2692400"/>
+            <a:ext cx="838200" cy="838200"/>
+          </a:xfrm>
+          <a:prstGeom prst="rect">
+            <a:avLst/>
+          </a:prstGeom>
+          <a:solidFill>
+            <a:schemeClr val="bg1"/>
+          </a:solidFill>
+          <a:ln w="28575">
+            <a:solidFill>
+              <a:schemeClr val="tx1"/>
+            </a:solidFill>
           </a:ln>
         </p:spPr>
         <p:style>
@@ -3545,18 +3579,1593 @@
           <a:bodyPr rtlCol="0" anchor="ctr"/>
           <a:lstStyle/>
           <a:p>
+            <a:pPr algn="ctr"/>
+            <a:endParaRPr lang="en-GB"/>
+          </a:p>
+        </p:txBody>
+      </p:sp>
+      <p:sp>
+        <p:nvSpPr>
+          <p:cNvPr id="13" name="Rectangle 12"/>
+          <p:cNvSpPr/>
+          <p:nvPr/>
+        </p:nvSpPr>
+        <p:spPr>
+          <a:xfrm>
+            <a:off x="3020375" y="2692400"/>
+            <a:ext cx="838200" cy="838200"/>
+          </a:xfrm>
+          <a:prstGeom prst="rect">
+            <a:avLst/>
+          </a:prstGeom>
+          <a:solidFill>
+            <a:schemeClr val="bg1"/>
+          </a:solidFill>
+          <a:ln w="28575">
+            <a:solidFill>
+              <a:schemeClr val="tx1"/>
+            </a:solidFill>
+          </a:ln>
+        </p:spPr>
+        <p:style>
+          <a:lnRef idx="2">
+            <a:schemeClr val="accent1">
+              <a:shade val="50000"/>
+            </a:schemeClr>
+          </a:lnRef>
+          <a:fillRef idx="1">
+            <a:schemeClr val="accent1"/>
+          </a:fillRef>
+          <a:effectRef idx="0">
+            <a:schemeClr val="accent1"/>
+          </a:effectRef>
+          <a:fontRef idx="minor">
+            <a:schemeClr val="lt1"/>
+          </a:fontRef>
+        </p:style>
+        <p:txBody>
+          <a:bodyPr rtlCol="0" anchor="ctr"/>
+          <a:lstStyle/>
+          <a:p>
+            <a:pPr algn="ctr"/>
+            <a:endParaRPr lang="en-GB"/>
+          </a:p>
+        </p:txBody>
+      </p:sp>
+      <p:sp>
+        <p:nvSpPr>
+          <p:cNvPr id="14" name="Rectangle 13"/>
+          <p:cNvSpPr/>
+          <p:nvPr/>
+        </p:nvSpPr>
+        <p:spPr>
+          <a:xfrm>
+            <a:off x="3858575" y="2692400"/>
+            <a:ext cx="838200" cy="838200"/>
+          </a:xfrm>
+          <a:prstGeom prst="rect">
+            <a:avLst/>
+          </a:prstGeom>
+          <a:solidFill>
+            <a:schemeClr val="bg1"/>
+          </a:solidFill>
+          <a:ln w="28575">
+            <a:solidFill>
+              <a:schemeClr val="tx1"/>
+            </a:solidFill>
+          </a:ln>
+        </p:spPr>
+        <p:style>
+          <a:lnRef idx="2">
+            <a:schemeClr val="accent1">
+              <a:shade val="50000"/>
+            </a:schemeClr>
+          </a:lnRef>
+          <a:fillRef idx="1">
+            <a:schemeClr val="accent1"/>
+          </a:fillRef>
+          <a:effectRef idx="0">
+            <a:schemeClr val="accent1"/>
+          </a:effectRef>
+          <a:fontRef idx="minor">
+            <a:schemeClr val="lt1"/>
+          </a:fontRef>
+        </p:style>
+        <p:txBody>
+          <a:bodyPr rtlCol="0" anchor="ctr"/>
+          <a:lstStyle/>
+          <a:p>
+            <a:pPr algn="ctr"/>
+            <a:endParaRPr lang="en-GB"/>
+          </a:p>
+        </p:txBody>
+      </p:sp>
+      <p:sp>
+        <p:nvSpPr>
+          <p:cNvPr id="15" name="Rectangle 14"/>
+          <p:cNvSpPr/>
+          <p:nvPr/>
+        </p:nvSpPr>
+        <p:spPr>
+          <a:xfrm rot="16200000">
+            <a:off x="5773709" y="3812457"/>
+            <a:ext cx="2888803" cy="259219"/>
+          </a:xfrm>
+          <a:prstGeom prst="rect">
+            <a:avLst/>
+          </a:prstGeom>
+          <a:solidFill>
+            <a:schemeClr val="bg1"/>
+          </a:solidFill>
+          <a:ln>
+            <a:solidFill>
+              <a:schemeClr val="tx1"/>
+            </a:solidFill>
+          </a:ln>
+        </p:spPr>
+        <p:style>
+          <a:lnRef idx="2">
+            <a:schemeClr val="accent1">
+              <a:shade val="50000"/>
+            </a:schemeClr>
+          </a:lnRef>
+          <a:fillRef idx="1">
+            <a:schemeClr val="accent1"/>
+          </a:fillRef>
+          <a:effectRef idx="0">
+            <a:schemeClr val="accent1"/>
+          </a:effectRef>
+          <a:fontRef idx="minor">
+            <a:schemeClr val="lt1"/>
+          </a:fontRef>
+        </p:style>
+        <p:txBody>
+          <a:bodyPr rtlCol="0" anchor="ctr"/>
+          <a:lstStyle/>
+          <a:p>
+            <a:pPr algn="ctr"/>
+            <a:endParaRPr lang="en-GB"/>
+          </a:p>
+        </p:txBody>
+      </p:sp>
+      <p:sp>
+        <p:nvSpPr>
+          <p:cNvPr id="16" name="Rectangle 15"/>
+          <p:cNvSpPr/>
+          <p:nvPr/>
+        </p:nvSpPr>
+        <p:spPr>
+          <a:xfrm rot="16200000">
+            <a:off x="6487024" y="4522229"/>
+            <a:ext cx="1457848" cy="249640"/>
+          </a:xfrm>
+          <a:prstGeom prst="rect">
+            <a:avLst/>
+          </a:prstGeom>
+          <a:solidFill>
+            <a:schemeClr val="accent2">
+              <a:lumMod val="75000"/>
+            </a:schemeClr>
+          </a:solidFill>
+          <a:ln>
+            <a:noFill/>
+          </a:ln>
+        </p:spPr>
+        <p:style>
+          <a:lnRef idx="2">
+            <a:schemeClr val="accent1">
+              <a:shade val="50000"/>
+            </a:schemeClr>
+          </a:lnRef>
+          <a:fillRef idx="1">
+            <a:schemeClr val="accent1"/>
+          </a:fillRef>
+          <a:effectRef idx="0">
+            <a:schemeClr val="accent1"/>
+          </a:effectRef>
+          <a:fontRef idx="minor">
+            <a:schemeClr val="lt1"/>
+          </a:fontRef>
+        </p:style>
+        <p:txBody>
+          <a:bodyPr rtlCol="0" anchor="ctr"/>
+          <a:lstStyle/>
+          <a:p>
+            <a:pPr algn="ctr"/>
+            <a:endParaRPr lang="en-GB"/>
+          </a:p>
+        </p:txBody>
+      </p:sp>
+      <p:cxnSp>
+        <p:nvCxnSpPr>
+          <p:cNvPr id="17" name="Straight Connector 16"/>
+          <p:cNvCxnSpPr/>
+          <p:nvPr/>
+        </p:nvCxnSpPr>
+        <p:spPr>
+          <a:xfrm rot="16200000">
+            <a:off x="7216625" y="3528602"/>
+            <a:ext cx="2970" cy="259219"/>
+          </a:xfrm>
+          <a:prstGeom prst="line">
+            <a:avLst/>
+          </a:prstGeom>
+          <a:ln w="38100">
+            <a:solidFill>
+              <a:schemeClr val="tx1"/>
+            </a:solidFill>
+          </a:ln>
+        </p:spPr>
+        <p:style>
+          <a:lnRef idx="1">
+            <a:schemeClr val="accent1"/>
+          </a:lnRef>
+          <a:fillRef idx="0">
+            <a:schemeClr val="accent1"/>
+          </a:fillRef>
+          <a:effectRef idx="0">
+            <a:schemeClr val="accent1"/>
+          </a:effectRef>
+          <a:fontRef idx="minor">
+            <a:schemeClr val="tx1"/>
+          </a:fontRef>
+        </p:style>
+      </p:cxnSp>
+      <p:sp>
+        <p:nvSpPr>
+          <p:cNvPr id="18" name="TextBox 17"/>
+          <p:cNvSpPr txBox="1"/>
+          <p:nvPr/>
+        </p:nvSpPr>
+        <p:spPr>
+          <a:xfrm>
+            <a:off x="6304490" y="4188208"/>
+            <a:ext cx="935125" cy="254422"/>
+          </a:xfrm>
+          <a:prstGeom prst="rect">
+            <a:avLst/>
+          </a:prstGeom>
+          <a:noFill/>
+        </p:spPr>
+        <p:txBody>
+          <a:bodyPr wrap="square" rtlCol="0">
+            <a:spAutoFit/>
+          </a:bodyPr>
+          <a:lstStyle/>
+          <a:p>
+            <a:r>
+              <a:rPr lang="en-GB" sz="1050" dirty="0" smtClean="0">
+                <a:solidFill>
+                  <a:srgbClr val="FF0000"/>
+                </a:solidFill>
+              </a:rPr>
+              <a:t>Bar changes colour when over limit</a:t>
+            </a:r>
+            <a:endParaRPr lang="en-GB" sz="1050" dirty="0">
+              <a:solidFill>
+                <a:srgbClr val="FF0000"/>
+              </a:solidFill>
+            </a:endParaRPr>
+          </a:p>
+        </p:txBody>
+      </p:sp>
+      <p:sp>
+        <p:nvSpPr>
+          <p:cNvPr id="19" name="Isosceles Triangle 18"/>
+          <p:cNvSpPr/>
+          <p:nvPr/>
+        </p:nvSpPr>
+        <p:spPr>
+          <a:xfrm rot="5400000" flipH="1" flipV="1">
+            <a:off x="7339536" y="3629678"/>
+            <a:ext cx="107943" cy="57068"/>
+          </a:xfrm>
+          <a:prstGeom prst="triangle">
+            <a:avLst/>
+          </a:prstGeom>
+          <a:solidFill>
+            <a:schemeClr val="tx1"/>
+          </a:solidFill>
+          <a:ln>
+            <a:solidFill>
+              <a:schemeClr val="tx1"/>
+            </a:solidFill>
+          </a:ln>
+        </p:spPr>
+        <p:style>
+          <a:lnRef idx="2">
+            <a:schemeClr val="accent1">
+              <a:shade val="50000"/>
+            </a:schemeClr>
+          </a:lnRef>
+          <a:fillRef idx="1">
+            <a:schemeClr val="accent1"/>
+          </a:fillRef>
+          <a:effectRef idx="0">
+            <a:schemeClr val="accent1"/>
+          </a:effectRef>
+          <a:fontRef idx="minor">
+            <a:schemeClr val="lt1"/>
+          </a:fontRef>
+        </p:style>
+        <p:txBody>
+          <a:bodyPr rtlCol="0" anchor="ctr"/>
+          <a:lstStyle/>
+          <a:p>
+            <a:pPr algn="ctr"/>
+            <a:endParaRPr lang="en-GB"/>
+          </a:p>
+        </p:txBody>
+      </p:sp>
+      <p:sp>
+        <p:nvSpPr>
+          <p:cNvPr id="20" name="Isosceles Triangle 19"/>
+          <p:cNvSpPr/>
+          <p:nvPr/>
+        </p:nvSpPr>
+        <p:spPr>
+          <a:xfrm rot="16200000" flipH="1" flipV="1">
+            <a:off x="6992579" y="3629678"/>
+            <a:ext cx="107943" cy="57068"/>
+          </a:xfrm>
+          <a:prstGeom prst="triangle">
+            <a:avLst/>
+          </a:prstGeom>
+          <a:solidFill>
+            <a:schemeClr val="tx1"/>
+          </a:solidFill>
+          <a:ln>
+            <a:solidFill>
+              <a:schemeClr val="tx1"/>
+            </a:solidFill>
+          </a:ln>
+        </p:spPr>
+        <p:style>
+          <a:lnRef idx="2">
+            <a:schemeClr val="accent1">
+              <a:shade val="50000"/>
+            </a:schemeClr>
+          </a:lnRef>
+          <a:fillRef idx="1">
+            <a:schemeClr val="accent1"/>
+          </a:fillRef>
+          <a:effectRef idx="0">
+            <a:schemeClr val="accent1"/>
+          </a:effectRef>
+          <a:fontRef idx="minor">
+            <a:schemeClr val="lt1"/>
+          </a:fontRef>
+        </p:style>
+        <p:txBody>
+          <a:bodyPr rtlCol="0" anchor="ctr"/>
+          <a:lstStyle/>
+          <a:p>
+            <a:pPr algn="ctr"/>
+            <a:endParaRPr lang="en-GB"/>
+          </a:p>
+        </p:txBody>
+      </p:sp>
+      <p:sp>
+        <p:nvSpPr>
+          <p:cNvPr id="21" name="TextBox 20"/>
+          <p:cNvSpPr txBox="1"/>
+          <p:nvPr/>
+        </p:nvSpPr>
+        <p:spPr>
+          <a:xfrm>
+            <a:off x="5806474" y="3444143"/>
+            <a:ext cx="1204590" cy="523220"/>
+          </a:xfrm>
+          <a:prstGeom prst="rect">
+            <a:avLst/>
+          </a:prstGeom>
+          <a:noFill/>
+        </p:spPr>
+        <p:txBody>
+          <a:bodyPr wrap="square" rtlCol="0">
+            <a:spAutoFit/>
+          </a:bodyPr>
+          <a:lstStyle/>
+          <a:p>
             <a:pPr algn="r"/>
             <a:r>
-              <a:rPr lang="en-GB" dirty="0" smtClean="0"/>
-              <a:t>Budget: ₴500</a:t>
-            </a:r>
-            <a:endParaRPr lang="en-GB" dirty="0"/>
+              <a:rPr lang="en-GB" sz="1400" dirty="0" smtClean="0"/>
+              <a:t>Required</a:t>
+            </a:r>
+          </a:p>
+          <a:p>
+            <a:pPr algn="r"/>
+            <a:r>
+              <a:rPr lang="en-GB" sz="1400" dirty="0" smtClean="0"/>
+              <a:t>thrust</a:t>
+            </a:r>
+            <a:endParaRPr lang="en-GB" sz="1400" dirty="0"/>
+          </a:p>
+        </p:txBody>
+      </p:sp>
+      <p:sp>
+        <p:nvSpPr>
+          <p:cNvPr id="23" name="Rectangle 22"/>
+          <p:cNvSpPr/>
+          <p:nvPr/>
+        </p:nvSpPr>
+        <p:spPr>
+          <a:xfrm>
+            <a:off x="2182175" y="3853549"/>
+            <a:ext cx="838200" cy="838200"/>
+          </a:xfrm>
+          <a:prstGeom prst="rect">
+            <a:avLst/>
+          </a:prstGeom>
+          <a:solidFill>
+            <a:schemeClr val="bg1"/>
+          </a:solidFill>
+          <a:ln w="28575">
+            <a:solidFill>
+              <a:schemeClr val="tx1"/>
+            </a:solidFill>
+          </a:ln>
+        </p:spPr>
+        <p:style>
+          <a:lnRef idx="2">
+            <a:schemeClr val="accent1">
+              <a:shade val="50000"/>
+            </a:schemeClr>
+          </a:lnRef>
+          <a:fillRef idx="1">
+            <a:schemeClr val="accent1"/>
+          </a:fillRef>
+          <a:effectRef idx="0">
+            <a:schemeClr val="accent1"/>
+          </a:effectRef>
+          <a:fontRef idx="minor">
+            <a:schemeClr val="lt1"/>
+          </a:fontRef>
+        </p:style>
+        <p:txBody>
+          <a:bodyPr rtlCol="0" anchor="ctr"/>
+          <a:lstStyle/>
+          <a:p>
+            <a:pPr algn="ctr"/>
+            <a:endParaRPr lang="en-GB"/>
+          </a:p>
+        </p:txBody>
+      </p:sp>
+      <p:sp>
+        <p:nvSpPr>
+          <p:cNvPr id="24" name="Rectangle 23"/>
+          <p:cNvSpPr/>
+          <p:nvPr/>
+        </p:nvSpPr>
+        <p:spPr>
+          <a:xfrm>
+            <a:off x="3020375" y="3853549"/>
+            <a:ext cx="838200" cy="838200"/>
+          </a:xfrm>
+          <a:prstGeom prst="rect">
+            <a:avLst/>
+          </a:prstGeom>
+          <a:solidFill>
+            <a:schemeClr val="bg1"/>
+          </a:solidFill>
+          <a:ln w="28575">
+            <a:solidFill>
+              <a:schemeClr val="tx1"/>
+            </a:solidFill>
+          </a:ln>
+        </p:spPr>
+        <p:style>
+          <a:lnRef idx="2">
+            <a:schemeClr val="accent1">
+              <a:shade val="50000"/>
+            </a:schemeClr>
+          </a:lnRef>
+          <a:fillRef idx="1">
+            <a:schemeClr val="accent1"/>
+          </a:fillRef>
+          <a:effectRef idx="0">
+            <a:schemeClr val="accent1"/>
+          </a:effectRef>
+          <a:fontRef idx="minor">
+            <a:schemeClr val="lt1"/>
+          </a:fontRef>
+        </p:style>
+        <p:txBody>
+          <a:bodyPr rtlCol="0" anchor="ctr"/>
+          <a:lstStyle/>
+          <a:p>
+            <a:pPr algn="ctr"/>
+            <a:endParaRPr lang="en-GB"/>
+          </a:p>
+        </p:txBody>
+      </p:sp>
+      <p:sp>
+        <p:nvSpPr>
+          <p:cNvPr id="25" name="Rectangle 24"/>
+          <p:cNvSpPr/>
+          <p:nvPr/>
+        </p:nvSpPr>
+        <p:spPr>
+          <a:xfrm>
+            <a:off x="3858575" y="3853549"/>
+            <a:ext cx="838200" cy="838200"/>
+          </a:xfrm>
+          <a:prstGeom prst="rect">
+            <a:avLst/>
+          </a:prstGeom>
+          <a:solidFill>
+            <a:schemeClr val="bg1"/>
+          </a:solidFill>
+          <a:ln w="28575">
+            <a:solidFill>
+              <a:schemeClr val="tx1"/>
+            </a:solidFill>
+          </a:ln>
+        </p:spPr>
+        <p:style>
+          <a:lnRef idx="2">
+            <a:schemeClr val="accent1">
+              <a:shade val="50000"/>
+            </a:schemeClr>
+          </a:lnRef>
+          <a:fillRef idx="1">
+            <a:schemeClr val="accent1"/>
+          </a:fillRef>
+          <a:effectRef idx="0">
+            <a:schemeClr val="accent1"/>
+          </a:effectRef>
+          <a:fontRef idx="minor">
+            <a:schemeClr val="lt1"/>
+          </a:fontRef>
+        </p:style>
+        <p:txBody>
+          <a:bodyPr rtlCol="0" anchor="ctr"/>
+          <a:lstStyle/>
+          <a:p>
+            <a:pPr algn="ctr"/>
+            <a:endParaRPr lang="en-GB"/>
+          </a:p>
+        </p:txBody>
+      </p:sp>
+      <p:sp>
+        <p:nvSpPr>
+          <p:cNvPr id="26" name="Rectangle 25"/>
+          <p:cNvSpPr/>
+          <p:nvPr/>
+        </p:nvSpPr>
+        <p:spPr>
+          <a:xfrm>
+            <a:off x="2182175" y="5067780"/>
+            <a:ext cx="838200" cy="838200"/>
+          </a:xfrm>
+          <a:prstGeom prst="rect">
+            <a:avLst/>
+          </a:prstGeom>
+          <a:solidFill>
+            <a:schemeClr val="bg1"/>
+          </a:solidFill>
+          <a:ln w="28575">
+            <a:solidFill>
+              <a:schemeClr val="tx1"/>
+            </a:solidFill>
+          </a:ln>
+        </p:spPr>
+        <p:style>
+          <a:lnRef idx="2">
+            <a:schemeClr val="accent1">
+              <a:shade val="50000"/>
+            </a:schemeClr>
+          </a:lnRef>
+          <a:fillRef idx="1">
+            <a:schemeClr val="accent1"/>
+          </a:fillRef>
+          <a:effectRef idx="0">
+            <a:schemeClr val="accent1"/>
+          </a:effectRef>
+          <a:fontRef idx="minor">
+            <a:schemeClr val="lt1"/>
+          </a:fontRef>
+        </p:style>
+        <p:txBody>
+          <a:bodyPr rtlCol="0" anchor="ctr"/>
+          <a:lstStyle/>
+          <a:p>
+            <a:pPr algn="ctr"/>
+            <a:endParaRPr lang="en-GB"/>
+          </a:p>
+        </p:txBody>
+      </p:sp>
+      <p:sp>
+        <p:nvSpPr>
+          <p:cNvPr id="27" name="Rectangle 26"/>
+          <p:cNvSpPr/>
+          <p:nvPr/>
+        </p:nvSpPr>
+        <p:spPr>
+          <a:xfrm>
+            <a:off x="3020375" y="5067780"/>
+            <a:ext cx="838200" cy="838200"/>
+          </a:xfrm>
+          <a:prstGeom prst="rect">
+            <a:avLst/>
+          </a:prstGeom>
+          <a:solidFill>
+            <a:schemeClr val="bg1"/>
+          </a:solidFill>
+          <a:ln w="28575">
+            <a:solidFill>
+              <a:schemeClr val="tx1"/>
+            </a:solidFill>
+          </a:ln>
+        </p:spPr>
+        <p:style>
+          <a:lnRef idx="2">
+            <a:schemeClr val="accent1">
+              <a:shade val="50000"/>
+            </a:schemeClr>
+          </a:lnRef>
+          <a:fillRef idx="1">
+            <a:schemeClr val="accent1"/>
+          </a:fillRef>
+          <a:effectRef idx="0">
+            <a:schemeClr val="accent1"/>
+          </a:effectRef>
+          <a:fontRef idx="minor">
+            <a:schemeClr val="lt1"/>
+          </a:fontRef>
+        </p:style>
+        <p:txBody>
+          <a:bodyPr rtlCol="0" anchor="ctr"/>
+          <a:lstStyle/>
+          <a:p>
+            <a:pPr algn="ctr"/>
+            <a:endParaRPr lang="en-GB"/>
+          </a:p>
+        </p:txBody>
+      </p:sp>
+      <p:sp>
+        <p:nvSpPr>
+          <p:cNvPr id="28" name="Rectangle 27"/>
+          <p:cNvSpPr/>
+          <p:nvPr/>
+        </p:nvSpPr>
+        <p:spPr>
+          <a:xfrm>
+            <a:off x="3858575" y="5067780"/>
+            <a:ext cx="838200" cy="838200"/>
+          </a:xfrm>
+          <a:prstGeom prst="rect">
+            <a:avLst/>
+          </a:prstGeom>
+          <a:solidFill>
+            <a:schemeClr val="bg1"/>
+          </a:solidFill>
+          <a:ln w="28575">
+            <a:solidFill>
+              <a:schemeClr val="tx1"/>
+            </a:solidFill>
+          </a:ln>
+        </p:spPr>
+        <p:style>
+          <a:lnRef idx="2">
+            <a:schemeClr val="accent1">
+              <a:shade val="50000"/>
+            </a:schemeClr>
+          </a:lnRef>
+          <a:fillRef idx="1">
+            <a:schemeClr val="accent1"/>
+          </a:fillRef>
+          <a:effectRef idx="0">
+            <a:schemeClr val="accent1"/>
+          </a:effectRef>
+          <a:fontRef idx="minor">
+            <a:schemeClr val="lt1"/>
+          </a:fontRef>
+        </p:style>
+        <p:txBody>
+          <a:bodyPr rtlCol="0" anchor="ctr"/>
+          <a:lstStyle/>
+          <a:p>
+            <a:pPr algn="ctr"/>
+            <a:endParaRPr lang="en-GB"/>
+          </a:p>
+        </p:txBody>
+      </p:sp>
+      <p:sp>
+        <p:nvSpPr>
+          <p:cNvPr id="32" name="Isosceles Triangle 31"/>
+          <p:cNvSpPr/>
+          <p:nvPr/>
+        </p:nvSpPr>
+        <p:spPr>
+          <a:xfrm rot="5400000">
+            <a:off x="4645046" y="5404998"/>
+            <a:ext cx="414868" cy="163764"/>
+          </a:xfrm>
+          <a:prstGeom prst="triangle">
+            <a:avLst/>
+          </a:prstGeom>
+          <a:solidFill>
+            <a:schemeClr val="tx1"/>
+          </a:solidFill>
+          <a:ln>
+            <a:solidFill>
+              <a:schemeClr val="tx1"/>
+            </a:solidFill>
+          </a:ln>
+        </p:spPr>
+        <p:style>
+          <a:lnRef idx="2">
+            <a:schemeClr val="accent1">
+              <a:shade val="50000"/>
+            </a:schemeClr>
+          </a:lnRef>
+          <a:fillRef idx="1">
+            <a:schemeClr val="accent1"/>
+          </a:fillRef>
+          <a:effectRef idx="0">
+            <a:schemeClr val="accent1"/>
+          </a:effectRef>
+          <a:fontRef idx="minor">
+            <a:schemeClr val="lt1"/>
+          </a:fontRef>
+        </p:style>
+        <p:txBody>
+          <a:bodyPr rtlCol="0" anchor="ctr"/>
+          <a:lstStyle/>
+          <a:p>
+            <a:pPr algn="ctr"/>
+            <a:endParaRPr lang="en-GB"/>
+          </a:p>
+        </p:txBody>
+      </p:sp>
+      <p:sp>
+        <p:nvSpPr>
+          <p:cNvPr id="33" name="Isosceles Triangle 32"/>
+          <p:cNvSpPr/>
+          <p:nvPr/>
+        </p:nvSpPr>
+        <p:spPr>
+          <a:xfrm rot="5400000">
+            <a:off x="4645046" y="4190767"/>
+            <a:ext cx="414868" cy="163764"/>
+          </a:xfrm>
+          <a:prstGeom prst="triangle">
+            <a:avLst/>
+          </a:prstGeom>
+          <a:solidFill>
+            <a:schemeClr val="tx1"/>
+          </a:solidFill>
+          <a:ln>
+            <a:solidFill>
+              <a:schemeClr val="tx1"/>
+            </a:solidFill>
+          </a:ln>
+        </p:spPr>
+        <p:style>
+          <a:lnRef idx="2">
+            <a:schemeClr val="accent1">
+              <a:shade val="50000"/>
+            </a:schemeClr>
+          </a:lnRef>
+          <a:fillRef idx="1">
+            <a:schemeClr val="accent1"/>
+          </a:fillRef>
+          <a:effectRef idx="0">
+            <a:schemeClr val="accent1"/>
+          </a:effectRef>
+          <a:fontRef idx="minor">
+            <a:schemeClr val="lt1"/>
+          </a:fontRef>
+        </p:style>
+        <p:txBody>
+          <a:bodyPr rtlCol="0" anchor="ctr"/>
+          <a:lstStyle/>
+          <a:p>
+            <a:pPr algn="ctr"/>
+            <a:endParaRPr lang="en-GB"/>
+          </a:p>
+        </p:txBody>
+      </p:sp>
+      <p:sp>
+        <p:nvSpPr>
+          <p:cNvPr id="34" name="Isosceles Triangle 33"/>
+          <p:cNvSpPr/>
+          <p:nvPr/>
+        </p:nvSpPr>
+        <p:spPr>
+          <a:xfrm rot="16200000">
+            <a:off x="1833156" y="3029618"/>
+            <a:ext cx="414868" cy="163764"/>
+          </a:xfrm>
+          <a:prstGeom prst="triangle">
+            <a:avLst/>
+          </a:prstGeom>
+          <a:solidFill>
+            <a:schemeClr val="tx1"/>
+          </a:solidFill>
+          <a:ln>
+            <a:solidFill>
+              <a:schemeClr val="tx1"/>
+            </a:solidFill>
+          </a:ln>
+        </p:spPr>
+        <p:style>
+          <a:lnRef idx="2">
+            <a:schemeClr val="accent1">
+              <a:shade val="50000"/>
+            </a:schemeClr>
+          </a:lnRef>
+          <a:fillRef idx="1">
+            <a:schemeClr val="accent1"/>
+          </a:fillRef>
+          <a:effectRef idx="0">
+            <a:schemeClr val="accent1"/>
+          </a:effectRef>
+          <a:fontRef idx="minor">
+            <a:schemeClr val="lt1"/>
+          </a:fontRef>
+        </p:style>
+        <p:txBody>
+          <a:bodyPr rtlCol="0" anchor="ctr"/>
+          <a:lstStyle/>
+          <a:p>
+            <a:pPr algn="ctr"/>
+            <a:endParaRPr lang="en-GB"/>
+          </a:p>
+        </p:txBody>
+      </p:sp>
+      <p:sp>
+        <p:nvSpPr>
+          <p:cNvPr id="37" name="Isosceles Triangle 36"/>
+          <p:cNvSpPr/>
+          <p:nvPr/>
+        </p:nvSpPr>
+        <p:spPr>
+          <a:xfrm>
+            <a:off x="2459269" y="2948519"/>
+            <a:ext cx="180000" cy="207434"/>
+          </a:xfrm>
+          <a:prstGeom prst="triangle">
+            <a:avLst/>
+          </a:prstGeom>
+          <a:solidFill>
+            <a:schemeClr val="bg1">
+              <a:lumMod val="85000"/>
+            </a:schemeClr>
+          </a:solidFill>
+          <a:ln>
+            <a:solidFill>
+              <a:schemeClr val="tx1"/>
+            </a:solidFill>
+          </a:ln>
+        </p:spPr>
+        <p:style>
+          <a:lnRef idx="2">
+            <a:schemeClr val="accent1">
+              <a:shade val="50000"/>
+            </a:schemeClr>
+          </a:lnRef>
+          <a:fillRef idx="1">
+            <a:schemeClr val="accent1"/>
+          </a:fillRef>
+          <a:effectRef idx="0">
+            <a:schemeClr val="accent1"/>
+          </a:effectRef>
+          <a:fontRef idx="minor">
+            <a:schemeClr val="lt1"/>
+          </a:fontRef>
+        </p:style>
+        <p:txBody>
+          <a:bodyPr rtlCol="0" anchor="ctr"/>
+          <a:lstStyle/>
+          <a:p>
+            <a:pPr algn="ctr"/>
+            <a:endParaRPr lang="en-GB"/>
+          </a:p>
+        </p:txBody>
+      </p:sp>
+      <p:sp>
+        <p:nvSpPr>
+          <p:cNvPr id="38" name="Rectangle 37"/>
+          <p:cNvSpPr/>
+          <p:nvPr/>
+        </p:nvSpPr>
+        <p:spPr>
+          <a:xfrm>
+            <a:off x="2459269" y="3161080"/>
+            <a:ext cx="180000" cy="332643"/>
+          </a:xfrm>
+          <a:prstGeom prst="rect">
+            <a:avLst/>
+          </a:prstGeom>
+          <a:solidFill>
+            <a:schemeClr val="bg1">
+              <a:lumMod val="85000"/>
+            </a:schemeClr>
+          </a:solidFill>
+          <a:ln>
+            <a:solidFill>
+              <a:schemeClr val="tx1"/>
+            </a:solidFill>
+          </a:ln>
+        </p:spPr>
+        <p:style>
+          <a:lnRef idx="2">
+            <a:schemeClr val="accent1">
+              <a:shade val="50000"/>
+            </a:schemeClr>
+          </a:lnRef>
+          <a:fillRef idx="1">
+            <a:schemeClr val="accent1"/>
+          </a:fillRef>
+          <a:effectRef idx="0">
+            <a:schemeClr val="accent1"/>
+          </a:effectRef>
+          <a:fontRef idx="minor">
+            <a:schemeClr val="lt1"/>
+          </a:fontRef>
+        </p:style>
+        <p:txBody>
+          <a:bodyPr rtlCol="0" anchor="ctr"/>
+          <a:lstStyle/>
+          <a:p>
+            <a:pPr algn="ctr"/>
+            <a:endParaRPr lang="en-GB"/>
+          </a:p>
+        </p:txBody>
+      </p:sp>
+      <p:sp>
+        <p:nvSpPr>
+          <p:cNvPr id="47" name="TextBox 46"/>
+          <p:cNvSpPr txBox="1"/>
+          <p:nvPr/>
+        </p:nvSpPr>
+        <p:spPr>
+          <a:xfrm>
+            <a:off x="2200203" y="2721092"/>
+            <a:ext cx="750330" cy="261610"/>
+          </a:xfrm>
+          <a:prstGeom prst="rect">
+            <a:avLst/>
+          </a:prstGeom>
+          <a:noFill/>
+        </p:spPr>
+        <p:txBody>
+          <a:bodyPr wrap="square" rtlCol="0">
+            <a:spAutoFit/>
+          </a:bodyPr>
+          <a:lstStyle/>
+          <a:p>
+            <a:pPr algn="ctr"/>
+            <a:r>
+              <a:rPr lang="en-GB" sz="1100" dirty="0" smtClean="0"/>
+              <a:t>Medium</a:t>
+            </a:r>
+            <a:endParaRPr lang="en-GB" sz="1100" dirty="0"/>
+          </a:p>
+        </p:txBody>
+      </p:sp>
+      <p:sp>
+        <p:nvSpPr>
+          <p:cNvPr id="48" name="TextBox 47"/>
+          <p:cNvSpPr txBox="1"/>
+          <p:nvPr/>
+        </p:nvSpPr>
+        <p:spPr>
+          <a:xfrm>
+            <a:off x="3193836" y="2721092"/>
+            <a:ext cx="567266" cy="261610"/>
+          </a:xfrm>
+          <a:prstGeom prst="rect">
+            <a:avLst/>
+          </a:prstGeom>
+          <a:noFill/>
+        </p:spPr>
+        <p:txBody>
+          <a:bodyPr wrap="square" rtlCol="0">
+            <a:spAutoFit/>
+          </a:bodyPr>
+          <a:lstStyle/>
+          <a:p>
+            <a:pPr algn="ctr"/>
+            <a:r>
+              <a:rPr lang="en-GB" sz="1100" dirty="0" smtClean="0"/>
+              <a:t>Large</a:t>
+            </a:r>
+            <a:endParaRPr lang="en-GB" sz="1100" dirty="0"/>
+          </a:p>
+        </p:txBody>
+      </p:sp>
+      <p:sp>
+        <p:nvSpPr>
+          <p:cNvPr id="51" name="TextBox 50"/>
+          <p:cNvSpPr txBox="1"/>
+          <p:nvPr/>
+        </p:nvSpPr>
+        <p:spPr>
+          <a:xfrm>
+            <a:off x="2339968" y="3864735"/>
+            <a:ext cx="567266" cy="261610"/>
+          </a:xfrm>
+          <a:prstGeom prst="rect">
+            <a:avLst/>
+          </a:prstGeom>
+          <a:noFill/>
+        </p:spPr>
+        <p:txBody>
+          <a:bodyPr wrap="square" rtlCol="0">
+            <a:spAutoFit/>
+          </a:bodyPr>
+          <a:lstStyle/>
+          <a:p>
+            <a:pPr algn="ctr"/>
+            <a:r>
+              <a:rPr lang="en-GB" sz="1100" dirty="0" smtClean="0"/>
+              <a:t>Small</a:t>
+            </a:r>
+            <a:endParaRPr lang="en-GB" sz="1100" dirty="0"/>
+          </a:p>
+        </p:txBody>
+      </p:sp>
+      <p:sp>
+        <p:nvSpPr>
+          <p:cNvPr id="52" name="TextBox 51"/>
+          <p:cNvSpPr txBox="1"/>
+          <p:nvPr/>
+        </p:nvSpPr>
+        <p:spPr>
+          <a:xfrm>
+            <a:off x="3054779" y="3864735"/>
+            <a:ext cx="750330" cy="261610"/>
+          </a:xfrm>
+          <a:prstGeom prst="rect">
+            <a:avLst/>
+          </a:prstGeom>
+          <a:noFill/>
+        </p:spPr>
+        <p:txBody>
+          <a:bodyPr wrap="square" rtlCol="0">
+            <a:spAutoFit/>
+          </a:bodyPr>
+          <a:lstStyle/>
+          <a:p>
+            <a:pPr algn="ctr"/>
+            <a:r>
+              <a:rPr lang="en-GB" sz="1100" dirty="0" smtClean="0"/>
+              <a:t>Medium</a:t>
+            </a:r>
+            <a:endParaRPr lang="en-GB" sz="1100" dirty="0"/>
+          </a:p>
+        </p:txBody>
+      </p:sp>
+      <p:sp>
+        <p:nvSpPr>
+          <p:cNvPr id="53" name="TextBox 52"/>
+          <p:cNvSpPr txBox="1"/>
+          <p:nvPr/>
+        </p:nvSpPr>
+        <p:spPr>
+          <a:xfrm>
+            <a:off x="4048412" y="3864735"/>
+            <a:ext cx="567266" cy="261610"/>
+          </a:xfrm>
+          <a:prstGeom prst="rect">
+            <a:avLst/>
+          </a:prstGeom>
+          <a:noFill/>
+        </p:spPr>
+        <p:txBody>
+          <a:bodyPr wrap="square" rtlCol="0">
+            <a:spAutoFit/>
+          </a:bodyPr>
+          <a:lstStyle/>
+          <a:p>
+            <a:pPr algn="ctr"/>
+            <a:r>
+              <a:rPr lang="en-GB" sz="1100" dirty="0" smtClean="0"/>
+              <a:t>Large</a:t>
+            </a:r>
+            <a:endParaRPr lang="en-GB" sz="1100" dirty="0"/>
+          </a:p>
+        </p:txBody>
+      </p:sp>
+      <p:sp>
+        <p:nvSpPr>
+          <p:cNvPr id="54" name="TextBox 53"/>
+          <p:cNvSpPr txBox="1"/>
+          <p:nvPr/>
+        </p:nvSpPr>
+        <p:spPr>
+          <a:xfrm>
+            <a:off x="3169911" y="5114363"/>
+            <a:ext cx="567266" cy="261610"/>
+          </a:xfrm>
+          <a:prstGeom prst="rect">
+            <a:avLst/>
+          </a:prstGeom>
+          <a:noFill/>
+        </p:spPr>
+        <p:txBody>
+          <a:bodyPr wrap="square" rtlCol="0">
+            <a:spAutoFit/>
+          </a:bodyPr>
+          <a:lstStyle/>
+          <a:p>
+            <a:pPr algn="ctr"/>
+            <a:r>
+              <a:rPr lang="en-GB" sz="1100" dirty="0" smtClean="0"/>
+              <a:t>Small</a:t>
+            </a:r>
+            <a:endParaRPr lang="en-GB" sz="1100" dirty="0"/>
+          </a:p>
+        </p:txBody>
+      </p:sp>
+      <p:sp>
+        <p:nvSpPr>
+          <p:cNvPr id="55" name="TextBox 54"/>
+          <p:cNvSpPr txBox="1"/>
+          <p:nvPr/>
+        </p:nvSpPr>
+        <p:spPr>
+          <a:xfrm>
+            <a:off x="3884722" y="5114363"/>
+            <a:ext cx="750330" cy="261610"/>
+          </a:xfrm>
+          <a:prstGeom prst="rect">
+            <a:avLst/>
+          </a:prstGeom>
+          <a:noFill/>
+        </p:spPr>
+        <p:txBody>
+          <a:bodyPr wrap="square" rtlCol="0">
+            <a:spAutoFit/>
+          </a:bodyPr>
+          <a:lstStyle/>
+          <a:p>
+            <a:pPr algn="ctr"/>
+            <a:r>
+              <a:rPr lang="en-GB" sz="1100" dirty="0" smtClean="0"/>
+              <a:t>Medium</a:t>
+            </a:r>
+            <a:endParaRPr lang="en-GB" sz="1100" dirty="0"/>
+          </a:p>
+        </p:txBody>
+      </p:sp>
+      <p:sp>
+        <p:nvSpPr>
+          <p:cNvPr id="60" name="TextBox 59"/>
+          <p:cNvSpPr txBox="1"/>
+          <p:nvPr/>
+        </p:nvSpPr>
+        <p:spPr>
+          <a:xfrm>
+            <a:off x="2146892" y="5114363"/>
+            <a:ext cx="928962" cy="261610"/>
+          </a:xfrm>
+          <a:prstGeom prst="rect">
+            <a:avLst/>
+          </a:prstGeom>
+          <a:noFill/>
+        </p:spPr>
+        <p:txBody>
+          <a:bodyPr wrap="square" rtlCol="0">
+            <a:spAutoFit/>
+          </a:bodyPr>
+          <a:lstStyle/>
+          <a:p>
+            <a:pPr algn="ctr"/>
+            <a:r>
+              <a:rPr lang="en-GB" sz="1100" dirty="0" smtClean="0"/>
+              <a:t>Spaceplane</a:t>
+            </a:r>
+            <a:endParaRPr lang="en-GB" sz="1100" dirty="0"/>
+          </a:p>
+        </p:txBody>
+      </p:sp>
+      <p:sp>
+        <p:nvSpPr>
+          <p:cNvPr id="62" name="Rectangle 61"/>
+          <p:cNvSpPr/>
+          <p:nvPr/>
+        </p:nvSpPr>
+        <p:spPr>
+          <a:xfrm>
+            <a:off x="4074864" y="4027460"/>
+            <a:ext cx="487348" cy="395119"/>
+          </a:xfrm>
+          <a:prstGeom prst="rect">
+            <a:avLst/>
+          </a:prstGeom>
+          <a:solidFill>
+            <a:schemeClr val="bg1">
+              <a:lumMod val="85000"/>
+            </a:schemeClr>
+          </a:solidFill>
+          <a:ln>
+            <a:solidFill>
+              <a:schemeClr val="tx1"/>
+            </a:solidFill>
+          </a:ln>
+        </p:spPr>
+        <p:style>
+          <a:lnRef idx="2">
+            <a:schemeClr val="accent1">
+              <a:shade val="50000"/>
+            </a:schemeClr>
+          </a:lnRef>
+          <a:fillRef idx="1">
+            <a:schemeClr val="accent1"/>
+          </a:fillRef>
+          <a:effectRef idx="0">
+            <a:schemeClr val="accent1"/>
+          </a:effectRef>
+          <a:fontRef idx="minor">
+            <a:schemeClr val="lt1"/>
+          </a:fontRef>
+        </p:style>
+        <p:txBody>
+          <a:bodyPr rtlCol="0" anchor="ctr"/>
+          <a:lstStyle/>
+          <a:p>
+            <a:pPr algn="ctr"/>
+            <a:endParaRPr lang="en-GB"/>
+          </a:p>
+        </p:txBody>
+      </p:sp>
+      <p:sp>
+        <p:nvSpPr>
+          <p:cNvPr id="63" name="Rectangle 62"/>
+          <p:cNvSpPr/>
+          <p:nvPr/>
+        </p:nvSpPr>
+        <p:spPr>
+          <a:xfrm>
+            <a:off x="3313845" y="4109987"/>
+            <a:ext cx="180000" cy="332643"/>
+          </a:xfrm>
+          <a:prstGeom prst="rect">
+            <a:avLst/>
+          </a:prstGeom>
+          <a:solidFill>
+            <a:schemeClr val="bg1">
+              <a:lumMod val="85000"/>
+            </a:schemeClr>
+          </a:solidFill>
+          <a:ln>
+            <a:solidFill>
+              <a:schemeClr val="tx1"/>
+            </a:solidFill>
+          </a:ln>
+        </p:spPr>
+        <p:style>
+          <a:lnRef idx="2">
+            <a:schemeClr val="accent1">
+              <a:shade val="50000"/>
+            </a:schemeClr>
+          </a:lnRef>
+          <a:fillRef idx="1">
+            <a:schemeClr val="accent1"/>
+          </a:fillRef>
+          <a:effectRef idx="0">
+            <a:schemeClr val="accent1"/>
+          </a:effectRef>
+          <a:fontRef idx="minor">
+            <a:schemeClr val="lt1"/>
+          </a:fontRef>
+        </p:style>
+        <p:txBody>
+          <a:bodyPr rtlCol="0" anchor="ctr"/>
+          <a:lstStyle/>
+          <a:p>
+            <a:pPr algn="ctr"/>
+            <a:endParaRPr lang="en-GB"/>
+          </a:p>
+        </p:txBody>
+      </p:sp>
+      <p:sp>
+        <p:nvSpPr>
+          <p:cNvPr id="64" name="Rectangle 63"/>
+          <p:cNvSpPr/>
+          <p:nvPr/>
+        </p:nvSpPr>
+        <p:spPr>
+          <a:xfrm>
+            <a:off x="2538148" y="4178252"/>
+            <a:ext cx="120356" cy="222420"/>
+          </a:xfrm>
+          <a:prstGeom prst="rect">
+            <a:avLst/>
+          </a:prstGeom>
+          <a:solidFill>
+            <a:schemeClr val="bg1">
+              <a:lumMod val="85000"/>
+            </a:schemeClr>
+          </a:solidFill>
+          <a:ln>
+            <a:solidFill>
+              <a:schemeClr val="tx1"/>
+            </a:solidFill>
+          </a:ln>
+        </p:spPr>
+        <p:style>
+          <a:lnRef idx="2">
+            <a:schemeClr val="accent1">
+              <a:shade val="50000"/>
+            </a:schemeClr>
+          </a:lnRef>
+          <a:fillRef idx="1">
+            <a:schemeClr val="accent1"/>
+          </a:fillRef>
+          <a:effectRef idx="0">
+            <a:schemeClr val="accent1"/>
+          </a:effectRef>
+          <a:fontRef idx="minor">
+            <a:schemeClr val="lt1"/>
+          </a:fontRef>
+        </p:style>
+        <p:txBody>
+          <a:bodyPr rtlCol="0" anchor="ctr"/>
+          <a:lstStyle/>
+          <a:p>
+            <a:pPr algn="ctr"/>
+            <a:endParaRPr lang="en-GB"/>
+          </a:p>
+        </p:txBody>
+      </p:sp>
+      <p:sp>
+        <p:nvSpPr>
+          <p:cNvPr id="65" name="Isosceles Triangle 64"/>
+          <p:cNvSpPr/>
+          <p:nvPr/>
+        </p:nvSpPr>
+        <p:spPr>
+          <a:xfrm>
+            <a:off x="2538148" y="4405441"/>
+            <a:ext cx="120356" cy="138700"/>
+          </a:xfrm>
+          <a:prstGeom prst="triangle">
+            <a:avLst/>
+          </a:prstGeom>
+          <a:solidFill>
+            <a:schemeClr val="bg1">
+              <a:lumMod val="85000"/>
+            </a:schemeClr>
+          </a:solidFill>
+          <a:ln>
+            <a:solidFill>
+              <a:schemeClr val="tx1"/>
+            </a:solidFill>
+          </a:ln>
+        </p:spPr>
+        <p:style>
+          <a:lnRef idx="2">
+            <a:schemeClr val="accent1">
+              <a:shade val="50000"/>
+            </a:schemeClr>
+          </a:lnRef>
+          <a:fillRef idx="1">
+            <a:schemeClr val="accent1"/>
+          </a:fillRef>
+          <a:effectRef idx="0">
+            <a:schemeClr val="accent1"/>
+          </a:effectRef>
+          <a:fontRef idx="minor">
+            <a:schemeClr val="lt1"/>
+          </a:fontRef>
+        </p:style>
+        <p:txBody>
+          <a:bodyPr rtlCol="0" anchor="ctr"/>
+          <a:lstStyle/>
+          <a:p>
+            <a:pPr algn="ctr"/>
+            <a:endParaRPr lang="en-GB"/>
+          </a:p>
+        </p:txBody>
+      </p:sp>
+      <p:sp>
+        <p:nvSpPr>
+          <p:cNvPr id="66" name="Isosceles Triangle 65"/>
+          <p:cNvSpPr/>
+          <p:nvPr/>
+        </p:nvSpPr>
+        <p:spPr>
+          <a:xfrm>
+            <a:off x="3313845" y="4449224"/>
+            <a:ext cx="180000" cy="207434"/>
+          </a:xfrm>
+          <a:prstGeom prst="triangle">
+            <a:avLst/>
+          </a:prstGeom>
+          <a:solidFill>
+            <a:schemeClr val="bg1">
+              <a:lumMod val="85000"/>
+            </a:schemeClr>
+          </a:solidFill>
+          <a:ln>
+            <a:solidFill>
+              <a:schemeClr val="tx1"/>
+            </a:solidFill>
+          </a:ln>
+        </p:spPr>
+        <p:style>
+          <a:lnRef idx="2">
+            <a:schemeClr val="accent1">
+              <a:shade val="50000"/>
+            </a:schemeClr>
+          </a:lnRef>
+          <a:fillRef idx="1">
+            <a:schemeClr val="accent1"/>
+          </a:fillRef>
+          <a:effectRef idx="0">
+            <a:schemeClr val="accent1"/>
+          </a:effectRef>
+          <a:fontRef idx="minor">
+            <a:schemeClr val="lt1"/>
+          </a:fontRef>
+        </p:style>
+        <p:txBody>
+          <a:bodyPr rtlCol="0" anchor="ctr"/>
+          <a:lstStyle/>
+          <a:p>
+            <a:pPr algn="ctr"/>
+            <a:endParaRPr lang="en-GB"/>
+          </a:p>
+        </p:txBody>
+      </p:sp>
+      <p:sp>
+        <p:nvSpPr>
+          <p:cNvPr id="67" name="Isosceles Triangle 66"/>
+          <p:cNvSpPr/>
+          <p:nvPr/>
+        </p:nvSpPr>
+        <p:spPr>
+          <a:xfrm>
+            <a:off x="4074864" y="4431457"/>
+            <a:ext cx="487348" cy="246394"/>
+          </a:xfrm>
+          <a:prstGeom prst="triangle">
+            <a:avLst/>
+          </a:prstGeom>
+          <a:solidFill>
+            <a:schemeClr val="bg1">
+              <a:lumMod val="85000"/>
+            </a:schemeClr>
+          </a:solidFill>
+          <a:ln>
+            <a:solidFill>
+              <a:schemeClr val="tx1"/>
+            </a:solidFill>
+          </a:ln>
+        </p:spPr>
+        <p:style>
+          <a:lnRef idx="2">
+            <a:schemeClr val="accent1">
+              <a:shade val="50000"/>
+            </a:schemeClr>
+          </a:lnRef>
+          <a:fillRef idx="1">
+            <a:schemeClr val="accent1"/>
+          </a:fillRef>
+          <a:effectRef idx="0">
+            <a:schemeClr val="accent1"/>
+          </a:effectRef>
+          <a:fontRef idx="minor">
+            <a:schemeClr val="lt1"/>
+          </a:fontRef>
+        </p:style>
+        <p:txBody>
+          <a:bodyPr rtlCol="0" anchor="ctr"/>
+          <a:lstStyle/>
+          <a:p>
+            <a:pPr algn="ctr"/>
+            <a:endParaRPr lang="en-GB"/>
+          </a:p>
+        </p:txBody>
+      </p:sp>
+      <p:sp>
+        <p:nvSpPr>
+          <p:cNvPr id="69" name="Rectangle 68"/>
+          <p:cNvSpPr/>
+          <p:nvPr/>
+        </p:nvSpPr>
+        <p:spPr>
+          <a:xfrm>
+            <a:off x="4163733" y="5338762"/>
+            <a:ext cx="180000" cy="332643"/>
+          </a:xfrm>
+          <a:prstGeom prst="rect">
+            <a:avLst/>
+          </a:prstGeom>
+          <a:solidFill>
+            <a:schemeClr val="bg1">
+              <a:lumMod val="85000"/>
+            </a:schemeClr>
+          </a:solidFill>
+          <a:ln>
+            <a:solidFill>
+              <a:schemeClr val="tx1"/>
+            </a:solidFill>
+          </a:ln>
+        </p:spPr>
+        <p:style>
+          <a:lnRef idx="2">
+            <a:schemeClr val="accent1">
+              <a:shade val="50000"/>
+            </a:schemeClr>
+          </a:lnRef>
+          <a:fillRef idx="1">
+            <a:schemeClr val="accent1"/>
+          </a:fillRef>
+          <a:effectRef idx="0">
+            <a:schemeClr val="accent1"/>
+          </a:effectRef>
+          <a:fontRef idx="minor">
+            <a:schemeClr val="lt1"/>
+          </a:fontRef>
+        </p:style>
+        <p:txBody>
+          <a:bodyPr rtlCol="0" anchor="ctr"/>
+          <a:lstStyle/>
+          <a:p>
+            <a:pPr algn="ctr"/>
+            <a:endParaRPr lang="en-GB"/>
+          </a:p>
+        </p:txBody>
+      </p:sp>
+      <p:sp>
+        <p:nvSpPr>
+          <p:cNvPr id="72" name="Isosceles Triangle 71"/>
+          <p:cNvSpPr/>
+          <p:nvPr/>
+        </p:nvSpPr>
+        <p:spPr>
+          <a:xfrm>
+            <a:off x="4163733" y="5677999"/>
+            <a:ext cx="180000" cy="207434"/>
+          </a:xfrm>
+          <a:prstGeom prst="triangle">
+            <a:avLst/>
+          </a:prstGeom>
+          <a:solidFill>
+            <a:schemeClr val="bg1">
+              <a:lumMod val="85000"/>
+            </a:schemeClr>
+          </a:solidFill>
+          <a:ln>
+            <a:solidFill>
+              <a:schemeClr val="tx1"/>
+            </a:solidFill>
+          </a:ln>
+        </p:spPr>
+        <p:style>
+          <a:lnRef idx="2">
+            <a:schemeClr val="accent1">
+              <a:shade val="50000"/>
+            </a:schemeClr>
+          </a:lnRef>
+          <a:fillRef idx="1">
+            <a:schemeClr val="accent1"/>
+          </a:fillRef>
+          <a:effectRef idx="0">
+            <a:schemeClr val="accent1"/>
+          </a:effectRef>
+          <a:fontRef idx="minor">
+            <a:schemeClr val="lt1"/>
+          </a:fontRef>
+        </p:style>
+        <p:txBody>
+          <a:bodyPr rtlCol="0" anchor="ctr"/>
+          <a:lstStyle/>
+          <a:p>
+            <a:pPr algn="ctr"/>
+            <a:endParaRPr lang="en-GB"/>
           </a:p>
         </p:txBody>
       </p:sp>
       <p:pic>
         <p:nvPicPr>
-          <p:cNvPr id="9" name="Picture 10" descr="alert, attention, danger, error, exclamation, problem, warning icon"/>
+          <p:cNvPr id="7170" name="Picture 2" descr="Transport Airplane Take Off icon"/>
           <p:cNvPicPr>
             <a:picLocks noChangeAspect="1" noChangeArrowheads="1"/>
           </p:cNvPicPr>
@@ -3577,8 +5186,8 @@
         </p:blipFill>
         <p:spPr bwMode="auto">
           <a:xfrm>
-            <a:off x="6305116" y="1854646"/>
-            <a:ext cx="360000" cy="360000"/>
+            <a:off x="2302549" y="5269483"/>
+            <a:ext cx="615950" cy="615950"/>
           </a:xfrm>
           <a:prstGeom prst="rect">
             <a:avLst/>
@@ -3597,983 +5206,16 @@
       </p:pic>
       <p:sp>
         <p:nvSpPr>
-          <p:cNvPr id="10" name="Isosceles Triangle 9"/>
+          <p:cNvPr id="77" name="Rectangle 76"/>
           <p:cNvSpPr/>
           <p:nvPr/>
         </p:nvSpPr>
         <p:spPr>
-          <a:xfrm flipH="1" flipV="1">
-            <a:off x="6813585" y="1977407"/>
-            <a:ext cx="276396" cy="146126"/>
-          </a:xfrm>
-          <a:prstGeom prst="triangle">
-            <a:avLst/>
-          </a:prstGeom>
-          <a:solidFill>
-            <a:schemeClr val="bg1"/>
-          </a:solidFill>
-          <a:ln>
-            <a:solidFill>
-              <a:schemeClr val="bg1"/>
-            </a:solidFill>
-          </a:ln>
-        </p:spPr>
-        <p:style>
-          <a:lnRef idx="2">
-            <a:schemeClr val="accent1">
-              <a:shade val="50000"/>
-            </a:schemeClr>
-          </a:lnRef>
-          <a:fillRef idx="1">
-            <a:schemeClr val="accent1"/>
-          </a:fillRef>
-          <a:effectRef idx="0">
-            <a:schemeClr val="accent1"/>
-          </a:effectRef>
-          <a:fontRef idx="minor">
-            <a:schemeClr val="lt1"/>
-          </a:fontRef>
-        </p:style>
-        <p:txBody>
-          <a:bodyPr rtlCol="0" anchor="ctr"/>
-          <a:lstStyle/>
-          <a:p>
-            <a:pPr algn="ctr"/>
-            <a:endParaRPr lang="en-GB"/>
-          </a:p>
-        </p:txBody>
-      </p:sp>
-      <p:sp>
-        <p:nvSpPr>
-          <p:cNvPr id="11" name="TextBox 10"/>
-          <p:cNvSpPr txBox="1"/>
-          <p:nvPr/>
-        </p:nvSpPr>
-        <p:spPr>
-          <a:xfrm>
-            <a:off x="7743585" y="5056252"/>
-            <a:ext cx="1045703" cy="461665"/>
+          <a:xfrm>
+            <a:off x="5664244" y="3493723"/>
+            <a:ext cx="180000" cy="332643"/>
           </a:xfrm>
           <a:prstGeom prst="rect">
-            <a:avLst/>
-          </a:prstGeom>
-          <a:solidFill>
-            <a:schemeClr val="bg1"/>
-          </a:solidFill>
-          <a:ln>
-            <a:solidFill>
-              <a:srgbClr val="FF0000"/>
-            </a:solidFill>
-          </a:ln>
-        </p:spPr>
-        <p:txBody>
-          <a:bodyPr wrap="square" rtlCol="0">
-            <a:spAutoFit/>
-          </a:bodyPr>
-          <a:lstStyle/>
-          <a:p>
-            <a:r>
-              <a:rPr lang="en-GB" sz="800" dirty="0" smtClean="0">
-                <a:solidFill>
-                  <a:srgbClr val="FF0000"/>
-                </a:solidFill>
-              </a:rPr>
-              <a:t>Navigation only shows if launch is possible</a:t>
-            </a:r>
-          </a:p>
-        </p:txBody>
-      </p:sp>
-      <p:sp>
-        <p:nvSpPr>
-          <p:cNvPr id="12" name="Rectangle 11"/>
-          <p:cNvSpPr/>
-          <p:nvPr/>
-        </p:nvSpPr>
-        <p:spPr>
-          <a:xfrm>
-            <a:off x="2182175" y="2692400"/>
-            <a:ext cx="838200" cy="838200"/>
-          </a:xfrm>
-          <a:prstGeom prst="rect">
-            <a:avLst/>
-          </a:prstGeom>
-          <a:solidFill>
-            <a:schemeClr val="bg1"/>
-          </a:solidFill>
-          <a:ln w="28575">
-            <a:solidFill>
-              <a:schemeClr val="tx1"/>
-            </a:solidFill>
-          </a:ln>
-        </p:spPr>
-        <p:style>
-          <a:lnRef idx="2">
-            <a:schemeClr val="accent1">
-              <a:shade val="50000"/>
-            </a:schemeClr>
-          </a:lnRef>
-          <a:fillRef idx="1">
-            <a:schemeClr val="accent1"/>
-          </a:fillRef>
-          <a:effectRef idx="0">
-            <a:schemeClr val="accent1"/>
-          </a:effectRef>
-          <a:fontRef idx="minor">
-            <a:schemeClr val="lt1"/>
-          </a:fontRef>
-        </p:style>
-        <p:txBody>
-          <a:bodyPr rtlCol="0" anchor="ctr"/>
-          <a:lstStyle/>
-          <a:p>
-            <a:pPr algn="ctr"/>
-            <a:endParaRPr lang="en-GB"/>
-          </a:p>
-        </p:txBody>
-      </p:sp>
-      <p:sp>
-        <p:nvSpPr>
-          <p:cNvPr id="13" name="Rectangle 12"/>
-          <p:cNvSpPr/>
-          <p:nvPr/>
-        </p:nvSpPr>
-        <p:spPr>
-          <a:xfrm>
-            <a:off x="3020375" y="2692400"/>
-            <a:ext cx="838200" cy="838200"/>
-          </a:xfrm>
-          <a:prstGeom prst="rect">
-            <a:avLst/>
-          </a:prstGeom>
-          <a:solidFill>
-            <a:schemeClr val="bg1"/>
-          </a:solidFill>
-          <a:ln w="28575">
-            <a:solidFill>
-              <a:schemeClr val="tx1"/>
-            </a:solidFill>
-          </a:ln>
-        </p:spPr>
-        <p:style>
-          <a:lnRef idx="2">
-            <a:schemeClr val="accent1">
-              <a:shade val="50000"/>
-            </a:schemeClr>
-          </a:lnRef>
-          <a:fillRef idx="1">
-            <a:schemeClr val="accent1"/>
-          </a:fillRef>
-          <a:effectRef idx="0">
-            <a:schemeClr val="accent1"/>
-          </a:effectRef>
-          <a:fontRef idx="minor">
-            <a:schemeClr val="lt1"/>
-          </a:fontRef>
-        </p:style>
-        <p:txBody>
-          <a:bodyPr rtlCol="0" anchor="ctr"/>
-          <a:lstStyle/>
-          <a:p>
-            <a:pPr algn="ctr"/>
-            <a:endParaRPr lang="en-GB"/>
-          </a:p>
-        </p:txBody>
-      </p:sp>
-      <p:sp>
-        <p:nvSpPr>
-          <p:cNvPr id="14" name="Rectangle 13"/>
-          <p:cNvSpPr/>
-          <p:nvPr/>
-        </p:nvSpPr>
-        <p:spPr>
-          <a:xfrm>
-            <a:off x="3858575" y="2692400"/>
-            <a:ext cx="838200" cy="838200"/>
-          </a:xfrm>
-          <a:prstGeom prst="rect">
-            <a:avLst/>
-          </a:prstGeom>
-          <a:solidFill>
-            <a:schemeClr val="bg1"/>
-          </a:solidFill>
-          <a:ln w="28575">
-            <a:solidFill>
-              <a:schemeClr val="tx1"/>
-            </a:solidFill>
-          </a:ln>
-        </p:spPr>
-        <p:style>
-          <a:lnRef idx="2">
-            <a:schemeClr val="accent1">
-              <a:shade val="50000"/>
-            </a:schemeClr>
-          </a:lnRef>
-          <a:fillRef idx="1">
-            <a:schemeClr val="accent1"/>
-          </a:fillRef>
-          <a:effectRef idx="0">
-            <a:schemeClr val="accent1"/>
-          </a:effectRef>
-          <a:fontRef idx="minor">
-            <a:schemeClr val="lt1"/>
-          </a:fontRef>
-        </p:style>
-        <p:txBody>
-          <a:bodyPr rtlCol="0" anchor="ctr"/>
-          <a:lstStyle/>
-          <a:p>
-            <a:pPr algn="ctr"/>
-            <a:endParaRPr lang="en-GB"/>
-          </a:p>
-        </p:txBody>
-      </p:sp>
-      <p:sp>
-        <p:nvSpPr>
-          <p:cNvPr id="15" name="Rectangle 14"/>
-          <p:cNvSpPr/>
-          <p:nvPr/>
-        </p:nvSpPr>
-        <p:spPr>
-          <a:xfrm rot="16200000">
-            <a:off x="5773709" y="3812457"/>
-            <a:ext cx="2888803" cy="259219"/>
-          </a:xfrm>
-          <a:prstGeom prst="rect">
-            <a:avLst/>
-          </a:prstGeom>
-          <a:solidFill>
-            <a:schemeClr val="bg1"/>
-          </a:solidFill>
-          <a:ln>
-            <a:solidFill>
-              <a:schemeClr val="tx1"/>
-            </a:solidFill>
-          </a:ln>
-        </p:spPr>
-        <p:style>
-          <a:lnRef idx="2">
-            <a:schemeClr val="accent1">
-              <a:shade val="50000"/>
-            </a:schemeClr>
-          </a:lnRef>
-          <a:fillRef idx="1">
-            <a:schemeClr val="accent1"/>
-          </a:fillRef>
-          <a:effectRef idx="0">
-            <a:schemeClr val="accent1"/>
-          </a:effectRef>
-          <a:fontRef idx="minor">
-            <a:schemeClr val="lt1"/>
-          </a:fontRef>
-        </p:style>
-        <p:txBody>
-          <a:bodyPr rtlCol="0" anchor="ctr"/>
-          <a:lstStyle/>
-          <a:p>
-            <a:pPr algn="ctr"/>
-            <a:endParaRPr lang="en-GB"/>
-          </a:p>
-        </p:txBody>
-      </p:sp>
-      <p:sp>
-        <p:nvSpPr>
-          <p:cNvPr id="16" name="Rectangle 15"/>
-          <p:cNvSpPr/>
-          <p:nvPr/>
-        </p:nvSpPr>
-        <p:spPr>
-          <a:xfrm rot="16200000">
-            <a:off x="6487024" y="4522229"/>
-            <a:ext cx="1457848" cy="249640"/>
-          </a:xfrm>
-          <a:prstGeom prst="rect">
-            <a:avLst/>
-          </a:prstGeom>
-          <a:solidFill>
-            <a:schemeClr val="accent2">
-              <a:lumMod val="75000"/>
-            </a:schemeClr>
-          </a:solidFill>
-          <a:ln>
-            <a:noFill/>
-          </a:ln>
-        </p:spPr>
-        <p:style>
-          <a:lnRef idx="2">
-            <a:schemeClr val="accent1">
-              <a:shade val="50000"/>
-            </a:schemeClr>
-          </a:lnRef>
-          <a:fillRef idx="1">
-            <a:schemeClr val="accent1"/>
-          </a:fillRef>
-          <a:effectRef idx="0">
-            <a:schemeClr val="accent1"/>
-          </a:effectRef>
-          <a:fontRef idx="minor">
-            <a:schemeClr val="lt1"/>
-          </a:fontRef>
-        </p:style>
-        <p:txBody>
-          <a:bodyPr rtlCol="0" anchor="ctr"/>
-          <a:lstStyle/>
-          <a:p>
-            <a:pPr algn="ctr"/>
-            <a:endParaRPr lang="en-GB"/>
-          </a:p>
-        </p:txBody>
-      </p:sp>
-      <p:cxnSp>
-        <p:nvCxnSpPr>
-          <p:cNvPr id="17" name="Straight Connector 16"/>
-          <p:cNvCxnSpPr/>
-          <p:nvPr/>
-        </p:nvCxnSpPr>
-        <p:spPr>
-          <a:xfrm rot="16200000">
-            <a:off x="7216625" y="3528602"/>
-            <a:ext cx="2970" cy="259219"/>
-          </a:xfrm>
-          <a:prstGeom prst="line">
-            <a:avLst/>
-          </a:prstGeom>
-          <a:ln w="38100">
-            <a:solidFill>
-              <a:schemeClr val="tx1"/>
-            </a:solidFill>
-          </a:ln>
-        </p:spPr>
-        <p:style>
-          <a:lnRef idx="1">
-            <a:schemeClr val="accent1"/>
-          </a:lnRef>
-          <a:fillRef idx="0">
-            <a:schemeClr val="accent1"/>
-          </a:fillRef>
-          <a:effectRef idx="0">
-            <a:schemeClr val="accent1"/>
-          </a:effectRef>
-          <a:fontRef idx="minor">
-            <a:schemeClr val="tx1"/>
-          </a:fontRef>
-        </p:style>
-      </p:cxnSp>
-      <p:sp>
-        <p:nvSpPr>
-          <p:cNvPr id="18" name="TextBox 17"/>
-          <p:cNvSpPr txBox="1"/>
-          <p:nvPr/>
-        </p:nvSpPr>
-        <p:spPr>
-          <a:xfrm>
-            <a:off x="6304490" y="4188208"/>
-            <a:ext cx="935125" cy="254422"/>
-          </a:xfrm>
-          <a:prstGeom prst="rect">
-            <a:avLst/>
-          </a:prstGeom>
-          <a:noFill/>
-        </p:spPr>
-        <p:txBody>
-          <a:bodyPr wrap="square" rtlCol="0">
-            <a:spAutoFit/>
-          </a:bodyPr>
-          <a:lstStyle/>
-          <a:p>
-            <a:r>
-              <a:rPr lang="en-GB" sz="1050" dirty="0" smtClean="0">
-                <a:solidFill>
-                  <a:srgbClr val="FF0000"/>
-                </a:solidFill>
-              </a:rPr>
-              <a:t>Bar changes colour when over limit</a:t>
-            </a:r>
-            <a:endParaRPr lang="en-GB" sz="1050" dirty="0">
-              <a:solidFill>
-                <a:srgbClr val="FF0000"/>
-              </a:solidFill>
-            </a:endParaRPr>
-          </a:p>
-        </p:txBody>
-      </p:sp>
-      <p:sp>
-        <p:nvSpPr>
-          <p:cNvPr id="19" name="Isosceles Triangle 18"/>
-          <p:cNvSpPr/>
-          <p:nvPr/>
-        </p:nvSpPr>
-        <p:spPr>
-          <a:xfrm rot="5400000" flipH="1" flipV="1">
-            <a:off x="7339536" y="3629678"/>
-            <a:ext cx="107943" cy="57068"/>
-          </a:xfrm>
-          <a:prstGeom prst="triangle">
-            <a:avLst/>
-          </a:prstGeom>
-          <a:solidFill>
-            <a:schemeClr val="tx1"/>
-          </a:solidFill>
-          <a:ln>
-            <a:solidFill>
-              <a:schemeClr val="tx1"/>
-            </a:solidFill>
-          </a:ln>
-        </p:spPr>
-        <p:style>
-          <a:lnRef idx="2">
-            <a:schemeClr val="accent1">
-              <a:shade val="50000"/>
-            </a:schemeClr>
-          </a:lnRef>
-          <a:fillRef idx="1">
-            <a:schemeClr val="accent1"/>
-          </a:fillRef>
-          <a:effectRef idx="0">
-            <a:schemeClr val="accent1"/>
-          </a:effectRef>
-          <a:fontRef idx="minor">
-            <a:schemeClr val="lt1"/>
-          </a:fontRef>
-        </p:style>
-        <p:txBody>
-          <a:bodyPr rtlCol="0" anchor="ctr"/>
-          <a:lstStyle/>
-          <a:p>
-            <a:pPr algn="ctr"/>
-            <a:endParaRPr lang="en-GB"/>
-          </a:p>
-        </p:txBody>
-      </p:sp>
-      <p:sp>
-        <p:nvSpPr>
-          <p:cNvPr id="20" name="Isosceles Triangle 19"/>
-          <p:cNvSpPr/>
-          <p:nvPr/>
-        </p:nvSpPr>
-        <p:spPr>
-          <a:xfrm rot="16200000" flipH="1" flipV="1">
-            <a:off x="6992579" y="3629678"/>
-            <a:ext cx="107943" cy="57068"/>
-          </a:xfrm>
-          <a:prstGeom prst="triangle">
-            <a:avLst/>
-          </a:prstGeom>
-          <a:solidFill>
-            <a:schemeClr val="tx1"/>
-          </a:solidFill>
-          <a:ln>
-            <a:solidFill>
-              <a:schemeClr val="tx1"/>
-            </a:solidFill>
-          </a:ln>
-        </p:spPr>
-        <p:style>
-          <a:lnRef idx="2">
-            <a:schemeClr val="accent1">
-              <a:shade val="50000"/>
-            </a:schemeClr>
-          </a:lnRef>
-          <a:fillRef idx="1">
-            <a:schemeClr val="accent1"/>
-          </a:fillRef>
-          <a:effectRef idx="0">
-            <a:schemeClr val="accent1"/>
-          </a:effectRef>
-          <a:fontRef idx="minor">
-            <a:schemeClr val="lt1"/>
-          </a:fontRef>
-        </p:style>
-        <p:txBody>
-          <a:bodyPr rtlCol="0" anchor="ctr"/>
-          <a:lstStyle/>
-          <a:p>
-            <a:pPr algn="ctr"/>
-            <a:endParaRPr lang="en-GB"/>
-          </a:p>
-        </p:txBody>
-      </p:sp>
-      <p:sp>
-        <p:nvSpPr>
-          <p:cNvPr id="21" name="TextBox 20"/>
-          <p:cNvSpPr txBox="1"/>
-          <p:nvPr/>
-        </p:nvSpPr>
-        <p:spPr>
-          <a:xfrm>
-            <a:off x="5806474" y="3444143"/>
-            <a:ext cx="1204590" cy="523220"/>
-          </a:xfrm>
-          <a:prstGeom prst="rect">
-            <a:avLst/>
-          </a:prstGeom>
-          <a:noFill/>
-        </p:spPr>
-        <p:txBody>
-          <a:bodyPr wrap="square" rtlCol="0">
-            <a:spAutoFit/>
-          </a:bodyPr>
-          <a:lstStyle/>
-          <a:p>
-            <a:pPr algn="r"/>
-            <a:r>
-              <a:rPr lang="en-GB" sz="1400" dirty="0" smtClean="0"/>
-              <a:t>Required</a:t>
-            </a:r>
-          </a:p>
-          <a:p>
-            <a:pPr algn="r"/>
-            <a:r>
-              <a:rPr lang="en-GB" sz="1400" dirty="0" smtClean="0"/>
-              <a:t>thrust</a:t>
-            </a:r>
-            <a:endParaRPr lang="en-GB" sz="1400" dirty="0"/>
-          </a:p>
-        </p:txBody>
-      </p:sp>
-      <p:sp>
-        <p:nvSpPr>
-          <p:cNvPr id="23" name="Rectangle 22"/>
-          <p:cNvSpPr/>
-          <p:nvPr/>
-        </p:nvSpPr>
-        <p:spPr>
-          <a:xfrm>
-            <a:off x="2182175" y="3853549"/>
-            <a:ext cx="838200" cy="838200"/>
-          </a:xfrm>
-          <a:prstGeom prst="rect">
-            <a:avLst/>
-          </a:prstGeom>
-          <a:solidFill>
-            <a:schemeClr val="bg1"/>
-          </a:solidFill>
-          <a:ln w="28575">
-            <a:solidFill>
-              <a:schemeClr val="tx1"/>
-            </a:solidFill>
-          </a:ln>
-        </p:spPr>
-        <p:style>
-          <a:lnRef idx="2">
-            <a:schemeClr val="accent1">
-              <a:shade val="50000"/>
-            </a:schemeClr>
-          </a:lnRef>
-          <a:fillRef idx="1">
-            <a:schemeClr val="accent1"/>
-          </a:fillRef>
-          <a:effectRef idx="0">
-            <a:schemeClr val="accent1"/>
-          </a:effectRef>
-          <a:fontRef idx="minor">
-            <a:schemeClr val="lt1"/>
-          </a:fontRef>
-        </p:style>
-        <p:txBody>
-          <a:bodyPr rtlCol="0" anchor="ctr"/>
-          <a:lstStyle/>
-          <a:p>
-            <a:pPr algn="ctr"/>
-            <a:endParaRPr lang="en-GB"/>
-          </a:p>
-        </p:txBody>
-      </p:sp>
-      <p:sp>
-        <p:nvSpPr>
-          <p:cNvPr id="24" name="Rectangle 23"/>
-          <p:cNvSpPr/>
-          <p:nvPr/>
-        </p:nvSpPr>
-        <p:spPr>
-          <a:xfrm>
-            <a:off x="3020375" y="3853549"/>
-            <a:ext cx="838200" cy="838200"/>
-          </a:xfrm>
-          <a:prstGeom prst="rect">
-            <a:avLst/>
-          </a:prstGeom>
-          <a:solidFill>
-            <a:schemeClr val="bg1"/>
-          </a:solidFill>
-          <a:ln w="28575">
-            <a:solidFill>
-              <a:schemeClr val="tx1"/>
-            </a:solidFill>
-          </a:ln>
-        </p:spPr>
-        <p:style>
-          <a:lnRef idx="2">
-            <a:schemeClr val="accent1">
-              <a:shade val="50000"/>
-            </a:schemeClr>
-          </a:lnRef>
-          <a:fillRef idx="1">
-            <a:schemeClr val="accent1"/>
-          </a:fillRef>
-          <a:effectRef idx="0">
-            <a:schemeClr val="accent1"/>
-          </a:effectRef>
-          <a:fontRef idx="minor">
-            <a:schemeClr val="lt1"/>
-          </a:fontRef>
-        </p:style>
-        <p:txBody>
-          <a:bodyPr rtlCol="0" anchor="ctr"/>
-          <a:lstStyle/>
-          <a:p>
-            <a:pPr algn="ctr"/>
-            <a:endParaRPr lang="en-GB"/>
-          </a:p>
-        </p:txBody>
-      </p:sp>
-      <p:sp>
-        <p:nvSpPr>
-          <p:cNvPr id="25" name="Rectangle 24"/>
-          <p:cNvSpPr/>
-          <p:nvPr/>
-        </p:nvSpPr>
-        <p:spPr>
-          <a:xfrm>
-            <a:off x="3858575" y="3853549"/>
-            <a:ext cx="838200" cy="838200"/>
-          </a:xfrm>
-          <a:prstGeom prst="rect">
-            <a:avLst/>
-          </a:prstGeom>
-          <a:solidFill>
-            <a:schemeClr val="bg1"/>
-          </a:solidFill>
-          <a:ln w="28575">
-            <a:solidFill>
-              <a:schemeClr val="tx1"/>
-            </a:solidFill>
-          </a:ln>
-        </p:spPr>
-        <p:style>
-          <a:lnRef idx="2">
-            <a:schemeClr val="accent1">
-              <a:shade val="50000"/>
-            </a:schemeClr>
-          </a:lnRef>
-          <a:fillRef idx="1">
-            <a:schemeClr val="accent1"/>
-          </a:fillRef>
-          <a:effectRef idx="0">
-            <a:schemeClr val="accent1"/>
-          </a:effectRef>
-          <a:fontRef idx="minor">
-            <a:schemeClr val="lt1"/>
-          </a:fontRef>
-        </p:style>
-        <p:txBody>
-          <a:bodyPr rtlCol="0" anchor="ctr"/>
-          <a:lstStyle/>
-          <a:p>
-            <a:pPr algn="ctr"/>
-            <a:endParaRPr lang="en-GB"/>
-          </a:p>
-        </p:txBody>
-      </p:sp>
-      <p:sp>
-        <p:nvSpPr>
-          <p:cNvPr id="26" name="Rectangle 25"/>
-          <p:cNvSpPr/>
-          <p:nvPr/>
-        </p:nvSpPr>
-        <p:spPr>
-          <a:xfrm>
-            <a:off x="2182175" y="5067780"/>
-            <a:ext cx="838200" cy="838200"/>
-          </a:xfrm>
-          <a:prstGeom prst="rect">
-            <a:avLst/>
-          </a:prstGeom>
-          <a:solidFill>
-            <a:schemeClr val="bg1"/>
-          </a:solidFill>
-          <a:ln w="28575">
-            <a:solidFill>
-              <a:schemeClr val="tx1"/>
-            </a:solidFill>
-          </a:ln>
-        </p:spPr>
-        <p:style>
-          <a:lnRef idx="2">
-            <a:schemeClr val="accent1">
-              <a:shade val="50000"/>
-            </a:schemeClr>
-          </a:lnRef>
-          <a:fillRef idx="1">
-            <a:schemeClr val="accent1"/>
-          </a:fillRef>
-          <a:effectRef idx="0">
-            <a:schemeClr val="accent1"/>
-          </a:effectRef>
-          <a:fontRef idx="minor">
-            <a:schemeClr val="lt1"/>
-          </a:fontRef>
-        </p:style>
-        <p:txBody>
-          <a:bodyPr rtlCol="0" anchor="ctr"/>
-          <a:lstStyle/>
-          <a:p>
-            <a:pPr algn="ctr"/>
-            <a:endParaRPr lang="en-GB"/>
-          </a:p>
-        </p:txBody>
-      </p:sp>
-      <p:sp>
-        <p:nvSpPr>
-          <p:cNvPr id="27" name="Rectangle 26"/>
-          <p:cNvSpPr/>
-          <p:nvPr/>
-        </p:nvSpPr>
-        <p:spPr>
-          <a:xfrm>
-            <a:off x="3020375" y="5067780"/>
-            <a:ext cx="838200" cy="838200"/>
-          </a:xfrm>
-          <a:prstGeom prst="rect">
-            <a:avLst/>
-          </a:prstGeom>
-          <a:solidFill>
-            <a:schemeClr val="bg1"/>
-          </a:solidFill>
-          <a:ln w="28575">
-            <a:solidFill>
-              <a:schemeClr val="tx1"/>
-            </a:solidFill>
-          </a:ln>
-        </p:spPr>
-        <p:style>
-          <a:lnRef idx="2">
-            <a:schemeClr val="accent1">
-              <a:shade val="50000"/>
-            </a:schemeClr>
-          </a:lnRef>
-          <a:fillRef idx="1">
-            <a:schemeClr val="accent1"/>
-          </a:fillRef>
-          <a:effectRef idx="0">
-            <a:schemeClr val="accent1"/>
-          </a:effectRef>
-          <a:fontRef idx="minor">
-            <a:schemeClr val="lt1"/>
-          </a:fontRef>
-        </p:style>
-        <p:txBody>
-          <a:bodyPr rtlCol="0" anchor="ctr"/>
-          <a:lstStyle/>
-          <a:p>
-            <a:pPr algn="ctr"/>
-            <a:endParaRPr lang="en-GB"/>
-          </a:p>
-        </p:txBody>
-      </p:sp>
-      <p:sp>
-        <p:nvSpPr>
-          <p:cNvPr id="28" name="Rectangle 27"/>
-          <p:cNvSpPr/>
-          <p:nvPr/>
-        </p:nvSpPr>
-        <p:spPr>
-          <a:xfrm>
-            <a:off x="3858575" y="5067780"/>
-            <a:ext cx="838200" cy="838200"/>
-          </a:xfrm>
-          <a:prstGeom prst="rect">
-            <a:avLst/>
-          </a:prstGeom>
-          <a:solidFill>
-            <a:schemeClr val="bg1"/>
-          </a:solidFill>
-          <a:ln w="28575">
-            <a:solidFill>
-              <a:schemeClr val="tx1"/>
-            </a:solidFill>
-          </a:ln>
-        </p:spPr>
-        <p:style>
-          <a:lnRef idx="2">
-            <a:schemeClr val="accent1">
-              <a:shade val="50000"/>
-            </a:schemeClr>
-          </a:lnRef>
-          <a:fillRef idx="1">
-            <a:schemeClr val="accent1"/>
-          </a:fillRef>
-          <a:effectRef idx="0">
-            <a:schemeClr val="accent1"/>
-          </a:effectRef>
-          <a:fontRef idx="minor">
-            <a:schemeClr val="lt1"/>
-          </a:fontRef>
-        </p:style>
-        <p:txBody>
-          <a:bodyPr rtlCol="0" anchor="ctr"/>
-          <a:lstStyle/>
-          <a:p>
-            <a:pPr algn="ctr"/>
-            <a:endParaRPr lang="en-GB"/>
-          </a:p>
-        </p:txBody>
-      </p:sp>
-      <p:sp>
-        <p:nvSpPr>
-          <p:cNvPr id="32" name="Isosceles Triangle 31"/>
-          <p:cNvSpPr/>
-          <p:nvPr/>
-        </p:nvSpPr>
-        <p:spPr>
-          <a:xfrm rot="5400000">
-            <a:off x="4645046" y="5404998"/>
-            <a:ext cx="414868" cy="163764"/>
-          </a:xfrm>
-          <a:prstGeom prst="triangle">
-            <a:avLst/>
-          </a:prstGeom>
-          <a:solidFill>
-            <a:schemeClr val="tx1"/>
-          </a:solidFill>
-          <a:ln>
-            <a:solidFill>
-              <a:schemeClr val="tx1"/>
-            </a:solidFill>
-          </a:ln>
-        </p:spPr>
-        <p:style>
-          <a:lnRef idx="2">
-            <a:schemeClr val="accent1">
-              <a:shade val="50000"/>
-            </a:schemeClr>
-          </a:lnRef>
-          <a:fillRef idx="1">
-            <a:schemeClr val="accent1"/>
-          </a:fillRef>
-          <a:effectRef idx="0">
-            <a:schemeClr val="accent1"/>
-          </a:effectRef>
-          <a:fontRef idx="minor">
-            <a:schemeClr val="lt1"/>
-          </a:fontRef>
-        </p:style>
-        <p:txBody>
-          <a:bodyPr rtlCol="0" anchor="ctr"/>
-          <a:lstStyle/>
-          <a:p>
-            <a:pPr algn="ctr"/>
-            <a:endParaRPr lang="en-GB"/>
-          </a:p>
-        </p:txBody>
-      </p:sp>
-      <p:sp>
-        <p:nvSpPr>
-          <p:cNvPr id="33" name="Isosceles Triangle 32"/>
-          <p:cNvSpPr/>
-          <p:nvPr/>
-        </p:nvSpPr>
-        <p:spPr>
-          <a:xfrm rot="5400000">
-            <a:off x="4645046" y="4190767"/>
-            <a:ext cx="414868" cy="163764"/>
-          </a:xfrm>
-          <a:prstGeom prst="triangle">
-            <a:avLst/>
-          </a:prstGeom>
-          <a:solidFill>
-            <a:schemeClr val="tx1"/>
-          </a:solidFill>
-          <a:ln>
-            <a:solidFill>
-              <a:schemeClr val="tx1"/>
-            </a:solidFill>
-          </a:ln>
-        </p:spPr>
-        <p:style>
-          <a:lnRef idx="2">
-            <a:schemeClr val="accent1">
-              <a:shade val="50000"/>
-            </a:schemeClr>
-          </a:lnRef>
-          <a:fillRef idx="1">
-            <a:schemeClr val="accent1"/>
-          </a:fillRef>
-          <a:effectRef idx="0">
-            <a:schemeClr val="accent1"/>
-          </a:effectRef>
-          <a:fontRef idx="minor">
-            <a:schemeClr val="lt1"/>
-          </a:fontRef>
-        </p:style>
-        <p:txBody>
-          <a:bodyPr rtlCol="0" anchor="ctr"/>
-          <a:lstStyle/>
-          <a:p>
-            <a:pPr algn="ctr"/>
-            <a:endParaRPr lang="en-GB"/>
-          </a:p>
-        </p:txBody>
-      </p:sp>
-      <p:sp>
-        <p:nvSpPr>
-          <p:cNvPr id="34" name="Isosceles Triangle 33"/>
-          <p:cNvSpPr/>
-          <p:nvPr/>
-        </p:nvSpPr>
-        <p:spPr>
-          <a:xfrm rot="16200000">
-            <a:off x="1833156" y="3029618"/>
-            <a:ext cx="414868" cy="163764"/>
-          </a:xfrm>
-          <a:prstGeom prst="triangle">
-            <a:avLst/>
-          </a:prstGeom>
-          <a:solidFill>
-            <a:schemeClr val="tx1"/>
-          </a:solidFill>
-          <a:ln>
-            <a:solidFill>
-              <a:schemeClr val="tx1"/>
-            </a:solidFill>
-          </a:ln>
-        </p:spPr>
-        <p:style>
-          <a:lnRef idx="2">
-            <a:schemeClr val="accent1">
-              <a:shade val="50000"/>
-            </a:schemeClr>
-          </a:lnRef>
-          <a:fillRef idx="1">
-            <a:schemeClr val="accent1"/>
-          </a:fillRef>
-          <a:effectRef idx="0">
-            <a:schemeClr val="accent1"/>
-          </a:effectRef>
-          <a:fontRef idx="minor">
-            <a:schemeClr val="lt1"/>
-          </a:fontRef>
-        </p:style>
-        <p:txBody>
-          <a:bodyPr rtlCol="0" anchor="ctr"/>
-          <a:lstStyle/>
-          <a:p>
-            <a:pPr algn="ctr"/>
-            <a:endParaRPr lang="en-GB"/>
-          </a:p>
-        </p:txBody>
-      </p:sp>
-      <p:sp>
-        <p:nvSpPr>
-          <p:cNvPr id="37" name="Isosceles Triangle 36"/>
-          <p:cNvSpPr/>
-          <p:nvPr/>
-        </p:nvSpPr>
-        <p:spPr>
-          <a:xfrm>
-            <a:off x="2459269" y="2948519"/>
-            <a:ext cx="180000" cy="207434"/>
-          </a:xfrm>
-          <a:prstGeom prst="triangle">
             <a:avLst/>
           </a:prstGeom>
           <a:solidFill>
@@ -4614,14 +5256,14 @@
       </p:sp>
       <p:sp>
         <p:nvSpPr>
-          <p:cNvPr id="38" name="Rectangle 37"/>
+          <p:cNvPr id="79" name="Rectangle 78"/>
           <p:cNvSpPr/>
           <p:nvPr/>
         </p:nvSpPr>
         <p:spPr>
           <a:xfrm>
-            <a:off x="2459269" y="3161080"/>
-            <a:ext cx="180000" cy="332643"/>
+            <a:off x="5699839" y="3838834"/>
+            <a:ext cx="120356" cy="222420"/>
           </a:xfrm>
           <a:prstGeom prst="rect">
             <a:avLst/>
@@ -4664,264 +5306,16 @@
       </p:sp>
       <p:sp>
         <p:nvSpPr>
-          <p:cNvPr id="47" name="TextBox 46"/>
-          <p:cNvSpPr txBox="1"/>
-          <p:nvPr/>
-        </p:nvSpPr>
-        <p:spPr>
-          <a:xfrm>
-            <a:off x="2200203" y="2721092"/>
-            <a:ext cx="750330" cy="261610"/>
-          </a:xfrm>
-          <a:prstGeom prst="rect">
-            <a:avLst/>
-          </a:prstGeom>
-          <a:noFill/>
-        </p:spPr>
-        <p:txBody>
-          <a:bodyPr wrap="square" rtlCol="0">
-            <a:spAutoFit/>
-          </a:bodyPr>
-          <a:lstStyle/>
-          <a:p>
-            <a:pPr algn="ctr"/>
-            <a:r>
-              <a:rPr lang="en-GB" sz="1100" dirty="0" smtClean="0"/>
-              <a:t>Medium</a:t>
-            </a:r>
-            <a:endParaRPr lang="en-GB" sz="1100" dirty="0"/>
-          </a:p>
-        </p:txBody>
-      </p:sp>
-      <p:sp>
-        <p:nvSpPr>
-          <p:cNvPr id="48" name="TextBox 47"/>
-          <p:cNvSpPr txBox="1"/>
-          <p:nvPr/>
-        </p:nvSpPr>
-        <p:spPr>
-          <a:xfrm>
-            <a:off x="3193836" y="2721092"/>
-            <a:ext cx="567266" cy="261610"/>
-          </a:xfrm>
-          <a:prstGeom prst="rect">
-            <a:avLst/>
-          </a:prstGeom>
-          <a:noFill/>
-        </p:spPr>
-        <p:txBody>
-          <a:bodyPr wrap="square" rtlCol="0">
-            <a:spAutoFit/>
-          </a:bodyPr>
-          <a:lstStyle/>
-          <a:p>
-            <a:pPr algn="ctr"/>
-            <a:r>
-              <a:rPr lang="en-GB" sz="1100" dirty="0" smtClean="0"/>
-              <a:t>Large</a:t>
-            </a:r>
-            <a:endParaRPr lang="en-GB" sz="1100" dirty="0"/>
-          </a:p>
-        </p:txBody>
-      </p:sp>
-      <p:sp>
-        <p:nvSpPr>
-          <p:cNvPr id="51" name="TextBox 50"/>
-          <p:cNvSpPr txBox="1"/>
-          <p:nvPr/>
-        </p:nvSpPr>
-        <p:spPr>
-          <a:xfrm>
-            <a:off x="2339968" y="3864735"/>
-            <a:ext cx="567266" cy="261610"/>
-          </a:xfrm>
-          <a:prstGeom prst="rect">
-            <a:avLst/>
-          </a:prstGeom>
-          <a:noFill/>
-        </p:spPr>
-        <p:txBody>
-          <a:bodyPr wrap="square" rtlCol="0">
-            <a:spAutoFit/>
-          </a:bodyPr>
-          <a:lstStyle/>
-          <a:p>
-            <a:pPr algn="ctr"/>
-            <a:r>
-              <a:rPr lang="en-GB" sz="1100" dirty="0" smtClean="0"/>
-              <a:t>Small</a:t>
-            </a:r>
-            <a:endParaRPr lang="en-GB" sz="1100" dirty="0"/>
-          </a:p>
-        </p:txBody>
-      </p:sp>
-      <p:sp>
-        <p:nvSpPr>
-          <p:cNvPr id="52" name="TextBox 51"/>
-          <p:cNvSpPr txBox="1"/>
-          <p:nvPr/>
-        </p:nvSpPr>
-        <p:spPr>
-          <a:xfrm>
-            <a:off x="3054779" y="3864735"/>
-            <a:ext cx="750330" cy="261610"/>
-          </a:xfrm>
-          <a:prstGeom prst="rect">
-            <a:avLst/>
-          </a:prstGeom>
-          <a:noFill/>
-        </p:spPr>
-        <p:txBody>
-          <a:bodyPr wrap="square" rtlCol="0">
-            <a:spAutoFit/>
-          </a:bodyPr>
-          <a:lstStyle/>
-          <a:p>
-            <a:pPr algn="ctr"/>
-            <a:r>
-              <a:rPr lang="en-GB" sz="1100" dirty="0" smtClean="0"/>
-              <a:t>Medium</a:t>
-            </a:r>
-            <a:endParaRPr lang="en-GB" sz="1100" dirty="0"/>
-          </a:p>
-        </p:txBody>
-      </p:sp>
-      <p:sp>
-        <p:nvSpPr>
-          <p:cNvPr id="53" name="TextBox 52"/>
-          <p:cNvSpPr txBox="1"/>
-          <p:nvPr/>
-        </p:nvSpPr>
-        <p:spPr>
-          <a:xfrm>
-            <a:off x="4048412" y="3864735"/>
-            <a:ext cx="567266" cy="261610"/>
-          </a:xfrm>
-          <a:prstGeom prst="rect">
-            <a:avLst/>
-          </a:prstGeom>
-          <a:noFill/>
-        </p:spPr>
-        <p:txBody>
-          <a:bodyPr wrap="square" rtlCol="0">
-            <a:spAutoFit/>
-          </a:bodyPr>
-          <a:lstStyle/>
-          <a:p>
-            <a:pPr algn="ctr"/>
-            <a:r>
-              <a:rPr lang="en-GB" sz="1100" dirty="0" smtClean="0"/>
-              <a:t>Large</a:t>
-            </a:r>
-            <a:endParaRPr lang="en-GB" sz="1100" dirty="0"/>
-          </a:p>
-        </p:txBody>
-      </p:sp>
-      <p:sp>
-        <p:nvSpPr>
-          <p:cNvPr id="54" name="TextBox 53"/>
-          <p:cNvSpPr txBox="1"/>
-          <p:nvPr/>
-        </p:nvSpPr>
-        <p:spPr>
-          <a:xfrm>
-            <a:off x="3169911" y="5114363"/>
-            <a:ext cx="567266" cy="261610"/>
-          </a:xfrm>
-          <a:prstGeom prst="rect">
-            <a:avLst/>
-          </a:prstGeom>
-          <a:noFill/>
-        </p:spPr>
-        <p:txBody>
-          <a:bodyPr wrap="square" rtlCol="0">
-            <a:spAutoFit/>
-          </a:bodyPr>
-          <a:lstStyle/>
-          <a:p>
-            <a:pPr algn="ctr"/>
-            <a:r>
-              <a:rPr lang="en-GB" sz="1100" dirty="0" smtClean="0"/>
-              <a:t>Small</a:t>
-            </a:r>
-            <a:endParaRPr lang="en-GB" sz="1100" dirty="0"/>
-          </a:p>
-        </p:txBody>
-      </p:sp>
-      <p:sp>
-        <p:nvSpPr>
-          <p:cNvPr id="55" name="TextBox 54"/>
-          <p:cNvSpPr txBox="1"/>
-          <p:nvPr/>
-        </p:nvSpPr>
-        <p:spPr>
-          <a:xfrm>
-            <a:off x="3884722" y="5114363"/>
-            <a:ext cx="750330" cy="261610"/>
-          </a:xfrm>
-          <a:prstGeom prst="rect">
-            <a:avLst/>
-          </a:prstGeom>
-          <a:noFill/>
-        </p:spPr>
-        <p:txBody>
-          <a:bodyPr wrap="square" rtlCol="0">
-            <a:spAutoFit/>
-          </a:bodyPr>
-          <a:lstStyle/>
-          <a:p>
-            <a:pPr algn="ctr"/>
-            <a:r>
-              <a:rPr lang="en-GB" sz="1100" dirty="0" smtClean="0"/>
-              <a:t>Medium</a:t>
-            </a:r>
-            <a:endParaRPr lang="en-GB" sz="1100" dirty="0"/>
-          </a:p>
-        </p:txBody>
-      </p:sp>
-      <p:sp>
-        <p:nvSpPr>
-          <p:cNvPr id="60" name="TextBox 59"/>
-          <p:cNvSpPr txBox="1"/>
-          <p:nvPr/>
-        </p:nvSpPr>
-        <p:spPr>
-          <a:xfrm>
-            <a:off x="2146892" y="5114363"/>
-            <a:ext cx="928962" cy="261610"/>
-          </a:xfrm>
-          <a:prstGeom prst="rect">
-            <a:avLst/>
-          </a:prstGeom>
-          <a:noFill/>
-        </p:spPr>
-        <p:txBody>
-          <a:bodyPr wrap="square" rtlCol="0">
-            <a:spAutoFit/>
-          </a:bodyPr>
-          <a:lstStyle/>
-          <a:p>
-            <a:pPr algn="ctr"/>
-            <a:r>
-              <a:rPr lang="en-GB" sz="1100" dirty="0" smtClean="0"/>
-              <a:t>Spaceplane</a:t>
-            </a:r>
-            <a:endParaRPr lang="en-GB" sz="1100" dirty="0"/>
-          </a:p>
-        </p:txBody>
-      </p:sp>
-      <p:sp>
-        <p:nvSpPr>
-          <p:cNvPr id="62" name="Rectangle 61"/>
+          <p:cNvPr id="80" name="Isosceles Triangle 79"/>
           <p:cNvSpPr/>
           <p:nvPr/>
         </p:nvSpPr>
         <p:spPr>
           <a:xfrm>
-            <a:off x="4074864" y="4027460"/>
-            <a:ext cx="487348" cy="395119"/>
-          </a:xfrm>
-          <a:prstGeom prst="rect">
+            <a:off x="5699839" y="4066023"/>
+            <a:ext cx="120356" cy="138700"/>
+          </a:xfrm>
+          <a:prstGeom prst="triangle">
             <a:avLst/>
           </a:prstGeom>
           <a:solidFill>
@@ -4962,16 +5356,47 @@
       </p:sp>
       <p:sp>
         <p:nvSpPr>
-          <p:cNvPr id="63" name="Rectangle 62"/>
+          <p:cNvPr id="81" name="TextBox 80"/>
+          <p:cNvSpPr txBox="1"/>
+          <p:nvPr/>
+        </p:nvSpPr>
+        <p:spPr>
+          <a:xfrm>
+            <a:off x="3834387" y="2721092"/>
+            <a:ext cx="862388" cy="261610"/>
+          </a:xfrm>
+          <a:prstGeom prst="rect">
+            <a:avLst/>
+          </a:prstGeom>
+          <a:noFill/>
+        </p:spPr>
+        <p:txBody>
+          <a:bodyPr wrap="square" rtlCol="0">
+            <a:spAutoFit/>
+          </a:bodyPr>
+          <a:lstStyle/>
+          <a:p>
+            <a:pPr algn="ctr"/>
+            <a:r>
+              <a:rPr lang="en-GB" sz="1100" dirty="0" smtClean="0"/>
+              <a:t>Extra Large</a:t>
+            </a:r>
+            <a:endParaRPr lang="en-GB" sz="1100" dirty="0"/>
+          </a:p>
+        </p:txBody>
+      </p:sp>
+      <p:sp>
+        <p:nvSpPr>
+          <p:cNvPr id="82" name="Isosceles Triangle 81"/>
           <p:cNvSpPr/>
           <p:nvPr/>
         </p:nvSpPr>
         <p:spPr>
           <a:xfrm>
-            <a:off x="3313845" y="4109987"/>
-            <a:ext cx="180000" cy="332643"/>
-          </a:xfrm>
-          <a:prstGeom prst="rect">
+            <a:off x="3263675" y="2948519"/>
+            <a:ext cx="348426" cy="207434"/>
+          </a:xfrm>
+          <a:prstGeom prst="triangle">
             <a:avLst/>
           </a:prstGeom>
           <a:solidFill>
@@ -5012,14 +5437,14 @@
       </p:sp>
       <p:sp>
         <p:nvSpPr>
-          <p:cNvPr id="64" name="Rectangle 63"/>
+          <p:cNvPr id="83" name="Rectangle 82"/>
           <p:cNvSpPr/>
           <p:nvPr/>
         </p:nvSpPr>
         <p:spPr>
           <a:xfrm>
-            <a:off x="2538148" y="4178252"/>
-            <a:ext cx="120356" cy="222420"/>
+            <a:off x="3263675" y="3161080"/>
+            <a:ext cx="348426" cy="332643"/>
           </a:xfrm>
           <a:prstGeom prst="rect">
             <a:avLst/>
@@ -5062,14 +5487,14 @@
       </p:sp>
       <p:sp>
         <p:nvSpPr>
-          <p:cNvPr id="65" name="Isosceles Triangle 64"/>
+          <p:cNvPr id="84" name="Isosceles Triangle 83"/>
           <p:cNvSpPr/>
           <p:nvPr/>
         </p:nvSpPr>
         <p:spPr>
           <a:xfrm>
-            <a:off x="2538148" y="4405441"/>
-            <a:ext cx="120356" cy="138700"/>
+            <a:off x="4134926" y="2948519"/>
+            <a:ext cx="282324" cy="207434"/>
           </a:xfrm>
           <a:prstGeom prst="triangle">
             <a:avLst/>
@@ -5112,16 +5537,16 @@
       </p:sp>
       <p:sp>
         <p:nvSpPr>
-          <p:cNvPr id="66" name="Isosceles Triangle 65"/>
+          <p:cNvPr id="85" name="Rectangle 84"/>
           <p:cNvSpPr/>
           <p:nvPr/>
         </p:nvSpPr>
         <p:spPr>
           <a:xfrm>
-            <a:off x="3313845" y="4449224"/>
-            <a:ext cx="180000" cy="207434"/>
-          </a:xfrm>
-          <a:prstGeom prst="triangle">
+            <a:off x="4134926" y="3161081"/>
+            <a:ext cx="282324" cy="256880"/>
+          </a:xfrm>
+          <a:prstGeom prst="rect">
             <a:avLst/>
           </a:prstGeom>
           <a:solidFill>
@@ -5162,16 +5587,16 @@
       </p:sp>
       <p:sp>
         <p:nvSpPr>
-          <p:cNvPr id="67" name="Isosceles Triangle 66"/>
+          <p:cNvPr id="7168" name="Trapezoid 7167"/>
           <p:cNvSpPr/>
           <p:nvPr/>
         </p:nvSpPr>
         <p:spPr>
-          <a:xfrm>
-            <a:off x="4074864" y="4431457"/>
-            <a:ext cx="487348" cy="246394"/>
-          </a:xfrm>
-          <a:prstGeom prst="triangle">
+          <a:xfrm rot="10800000">
+            <a:off x="4134926" y="3417960"/>
+            <a:ext cx="282324" cy="112640"/>
+          </a:xfrm>
+          <a:prstGeom prst="trapezoid">
             <a:avLst/>
           </a:prstGeom>
           <a:solidFill>
@@ -5212,16 +5637,16 @@
       </p:sp>
       <p:sp>
         <p:nvSpPr>
-          <p:cNvPr id="69" name="Rectangle 68"/>
+          <p:cNvPr id="87" name="Isosceles Triangle 86"/>
           <p:cNvSpPr/>
           <p:nvPr/>
         </p:nvSpPr>
         <p:spPr>
           <a:xfrm>
-            <a:off x="4163733" y="5338762"/>
-            <a:ext cx="180000" cy="332643"/>
-          </a:xfrm>
-          <a:prstGeom prst="rect">
+            <a:off x="5577146" y="2948519"/>
+            <a:ext cx="348426" cy="207434"/>
+          </a:xfrm>
+          <a:prstGeom prst="triangle">
             <a:avLst/>
           </a:prstGeom>
           <a:solidFill>
@@ -5262,16 +5687,16 @@
       </p:sp>
       <p:sp>
         <p:nvSpPr>
-          <p:cNvPr id="72" name="Isosceles Triangle 71"/>
+          <p:cNvPr id="88" name="Rectangle 87"/>
           <p:cNvSpPr/>
           <p:nvPr/>
         </p:nvSpPr>
         <p:spPr>
           <a:xfrm>
-            <a:off x="4163733" y="5677999"/>
-            <a:ext cx="180000" cy="207434"/>
-          </a:xfrm>
-          <a:prstGeom prst="triangle">
+            <a:off x="5577146" y="3161080"/>
+            <a:ext cx="348426" cy="332643"/>
+          </a:xfrm>
+          <a:prstGeom prst="rect">
             <a:avLst/>
           </a:prstGeom>
           <a:solidFill>
@@ -5310,57 +5735,16 @@
           </a:p>
         </p:txBody>
       </p:sp>
-      <p:pic>
-        <p:nvPicPr>
-          <p:cNvPr id="7170" name="Picture 2" descr="Transport Airplane Take Off icon"/>
-          <p:cNvPicPr>
-            <a:picLocks noChangeAspect="1" noChangeArrowheads="1"/>
-          </p:cNvPicPr>
-          <p:nvPr/>
-        </p:nvPicPr>
-        <p:blipFill>
-          <a:blip r:embed="rId3" cstate="print">
-            <a:extLst>
-              <a:ext uri="{28A0092B-C50C-407E-A947-70E740481C1C}">
-                <a14:useLocalDpi xmlns:a14="http://schemas.microsoft.com/office/drawing/2010/main" val="0"/>
-              </a:ext>
-            </a:extLst>
-          </a:blip>
-          <a:srcRect/>
-          <a:stretch>
-            <a:fillRect/>
-          </a:stretch>
-        </p:blipFill>
-        <p:spPr bwMode="auto">
-          <a:xfrm>
-            <a:off x="2302549" y="5269483"/>
-            <a:ext cx="615950" cy="615950"/>
-          </a:xfrm>
-          <a:prstGeom prst="rect">
-            <a:avLst/>
-          </a:prstGeom>
-          <a:noFill/>
-          <a:extLst>
-            <a:ext uri="{909E8E84-426E-40DD-AFC4-6F175D3DCCD1}">
-              <a14:hiddenFill xmlns:a14="http://schemas.microsoft.com/office/drawing/2010/main">
-                <a:solidFill>
-                  <a:srgbClr val="FFFFFF"/>
-                </a:solidFill>
-              </a14:hiddenFill>
-            </a:ext>
-          </a:extLst>
-        </p:spPr>
-      </p:pic>
-      <p:sp>
-        <p:nvSpPr>
-          <p:cNvPr id="77" name="Rectangle 76"/>
+      <p:sp>
+        <p:nvSpPr>
+          <p:cNvPr id="89" name="Rectangle 88"/>
           <p:cNvSpPr/>
           <p:nvPr/>
         </p:nvSpPr>
         <p:spPr>
           <a:xfrm>
-            <a:off x="5664244" y="3493723"/>
-            <a:ext cx="180000" cy="332643"/>
+            <a:off x="3398541" y="5422556"/>
+            <a:ext cx="120356" cy="222420"/>
           </a:xfrm>
           <a:prstGeom prst="rect">
             <a:avLst/>
@@ -5403,16 +5787,16 @@
       </p:sp>
       <p:sp>
         <p:nvSpPr>
-          <p:cNvPr id="79" name="Rectangle 78"/>
+          <p:cNvPr id="90" name="Isosceles Triangle 89"/>
           <p:cNvSpPr/>
           <p:nvPr/>
         </p:nvSpPr>
         <p:spPr>
           <a:xfrm>
-            <a:off x="5699839" y="3838834"/>
-            <a:ext cx="120356" cy="222420"/>
-          </a:xfrm>
-          <a:prstGeom prst="rect">
+            <a:off x="3398541" y="5649745"/>
+            <a:ext cx="120356" cy="138700"/>
+          </a:xfrm>
+          <a:prstGeom prst="triangle">
             <a:avLst/>
           </a:prstGeom>
           <a:solidFill>
@@ -5453,537 +5837,6 @@
       </p:sp>
       <p:sp>
         <p:nvSpPr>
-          <p:cNvPr id="80" name="Isosceles Triangle 79"/>
-          <p:cNvSpPr/>
-          <p:nvPr/>
-        </p:nvSpPr>
-        <p:spPr>
-          <a:xfrm>
-            <a:off x="5699839" y="4066023"/>
-            <a:ext cx="120356" cy="138700"/>
-          </a:xfrm>
-          <a:prstGeom prst="triangle">
-            <a:avLst/>
-          </a:prstGeom>
-          <a:solidFill>
-            <a:schemeClr val="bg1">
-              <a:lumMod val="85000"/>
-            </a:schemeClr>
-          </a:solidFill>
-          <a:ln>
-            <a:solidFill>
-              <a:schemeClr val="tx1"/>
-            </a:solidFill>
-          </a:ln>
-        </p:spPr>
-        <p:style>
-          <a:lnRef idx="2">
-            <a:schemeClr val="accent1">
-              <a:shade val="50000"/>
-            </a:schemeClr>
-          </a:lnRef>
-          <a:fillRef idx="1">
-            <a:schemeClr val="accent1"/>
-          </a:fillRef>
-          <a:effectRef idx="0">
-            <a:schemeClr val="accent1"/>
-          </a:effectRef>
-          <a:fontRef idx="minor">
-            <a:schemeClr val="lt1"/>
-          </a:fontRef>
-        </p:style>
-        <p:txBody>
-          <a:bodyPr rtlCol="0" anchor="ctr"/>
-          <a:lstStyle/>
-          <a:p>
-            <a:pPr algn="ctr"/>
-            <a:endParaRPr lang="en-GB"/>
-          </a:p>
-        </p:txBody>
-      </p:sp>
-      <p:sp>
-        <p:nvSpPr>
-          <p:cNvPr id="81" name="TextBox 80"/>
-          <p:cNvSpPr txBox="1"/>
-          <p:nvPr/>
-        </p:nvSpPr>
-        <p:spPr>
-          <a:xfrm>
-            <a:off x="3834387" y="2721092"/>
-            <a:ext cx="862388" cy="261610"/>
-          </a:xfrm>
-          <a:prstGeom prst="rect">
-            <a:avLst/>
-          </a:prstGeom>
-          <a:noFill/>
-        </p:spPr>
-        <p:txBody>
-          <a:bodyPr wrap="square" rtlCol="0">
-            <a:spAutoFit/>
-          </a:bodyPr>
-          <a:lstStyle/>
-          <a:p>
-            <a:pPr algn="ctr"/>
-            <a:r>
-              <a:rPr lang="en-GB" sz="1100" dirty="0" smtClean="0"/>
-              <a:t>Extra Large</a:t>
-            </a:r>
-            <a:endParaRPr lang="en-GB" sz="1100" dirty="0"/>
-          </a:p>
-        </p:txBody>
-      </p:sp>
-      <p:sp>
-        <p:nvSpPr>
-          <p:cNvPr id="82" name="Isosceles Triangle 81"/>
-          <p:cNvSpPr/>
-          <p:nvPr/>
-        </p:nvSpPr>
-        <p:spPr>
-          <a:xfrm>
-            <a:off x="3263675" y="2948519"/>
-            <a:ext cx="348426" cy="207434"/>
-          </a:xfrm>
-          <a:prstGeom prst="triangle">
-            <a:avLst/>
-          </a:prstGeom>
-          <a:solidFill>
-            <a:schemeClr val="bg1">
-              <a:lumMod val="85000"/>
-            </a:schemeClr>
-          </a:solidFill>
-          <a:ln>
-            <a:solidFill>
-              <a:schemeClr val="tx1"/>
-            </a:solidFill>
-          </a:ln>
-        </p:spPr>
-        <p:style>
-          <a:lnRef idx="2">
-            <a:schemeClr val="accent1">
-              <a:shade val="50000"/>
-            </a:schemeClr>
-          </a:lnRef>
-          <a:fillRef idx="1">
-            <a:schemeClr val="accent1"/>
-          </a:fillRef>
-          <a:effectRef idx="0">
-            <a:schemeClr val="accent1"/>
-          </a:effectRef>
-          <a:fontRef idx="minor">
-            <a:schemeClr val="lt1"/>
-          </a:fontRef>
-        </p:style>
-        <p:txBody>
-          <a:bodyPr rtlCol="0" anchor="ctr"/>
-          <a:lstStyle/>
-          <a:p>
-            <a:pPr algn="ctr"/>
-            <a:endParaRPr lang="en-GB"/>
-          </a:p>
-        </p:txBody>
-      </p:sp>
-      <p:sp>
-        <p:nvSpPr>
-          <p:cNvPr id="83" name="Rectangle 82"/>
-          <p:cNvSpPr/>
-          <p:nvPr/>
-        </p:nvSpPr>
-        <p:spPr>
-          <a:xfrm>
-            <a:off x="3263675" y="3161080"/>
-            <a:ext cx="348426" cy="332643"/>
-          </a:xfrm>
-          <a:prstGeom prst="rect">
-            <a:avLst/>
-          </a:prstGeom>
-          <a:solidFill>
-            <a:schemeClr val="bg1">
-              <a:lumMod val="85000"/>
-            </a:schemeClr>
-          </a:solidFill>
-          <a:ln>
-            <a:solidFill>
-              <a:schemeClr val="tx1"/>
-            </a:solidFill>
-          </a:ln>
-        </p:spPr>
-        <p:style>
-          <a:lnRef idx="2">
-            <a:schemeClr val="accent1">
-              <a:shade val="50000"/>
-            </a:schemeClr>
-          </a:lnRef>
-          <a:fillRef idx="1">
-            <a:schemeClr val="accent1"/>
-          </a:fillRef>
-          <a:effectRef idx="0">
-            <a:schemeClr val="accent1"/>
-          </a:effectRef>
-          <a:fontRef idx="minor">
-            <a:schemeClr val="lt1"/>
-          </a:fontRef>
-        </p:style>
-        <p:txBody>
-          <a:bodyPr rtlCol="0" anchor="ctr"/>
-          <a:lstStyle/>
-          <a:p>
-            <a:pPr algn="ctr"/>
-            <a:endParaRPr lang="en-GB"/>
-          </a:p>
-        </p:txBody>
-      </p:sp>
-      <p:sp>
-        <p:nvSpPr>
-          <p:cNvPr id="84" name="Isosceles Triangle 83"/>
-          <p:cNvSpPr/>
-          <p:nvPr/>
-        </p:nvSpPr>
-        <p:spPr>
-          <a:xfrm>
-            <a:off x="4134926" y="2948519"/>
-            <a:ext cx="282324" cy="207434"/>
-          </a:xfrm>
-          <a:prstGeom prst="triangle">
-            <a:avLst/>
-          </a:prstGeom>
-          <a:solidFill>
-            <a:schemeClr val="bg1">
-              <a:lumMod val="85000"/>
-            </a:schemeClr>
-          </a:solidFill>
-          <a:ln>
-            <a:solidFill>
-              <a:schemeClr val="tx1"/>
-            </a:solidFill>
-          </a:ln>
-        </p:spPr>
-        <p:style>
-          <a:lnRef idx="2">
-            <a:schemeClr val="accent1">
-              <a:shade val="50000"/>
-            </a:schemeClr>
-          </a:lnRef>
-          <a:fillRef idx="1">
-            <a:schemeClr val="accent1"/>
-          </a:fillRef>
-          <a:effectRef idx="0">
-            <a:schemeClr val="accent1"/>
-          </a:effectRef>
-          <a:fontRef idx="minor">
-            <a:schemeClr val="lt1"/>
-          </a:fontRef>
-        </p:style>
-        <p:txBody>
-          <a:bodyPr rtlCol="0" anchor="ctr"/>
-          <a:lstStyle/>
-          <a:p>
-            <a:pPr algn="ctr"/>
-            <a:endParaRPr lang="en-GB"/>
-          </a:p>
-        </p:txBody>
-      </p:sp>
-      <p:sp>
-        <p:nvSpPr>
-          <p:cNvPr id="85" name="Rectangle 84"/>
-          <p:cNvSpPr/>
-          <p:nvPr/>
-        </p:nvSpPr>
-        <p:spPr>
-          <a:xfrm>
-            <a:off x="4134926" y="3161081"/>
-            <a:ext cx="282324" cy="256880"/>
-          </a:xfrm>
-          <a:prstGeom prst="rect">
-            <a:avLst/>
-          </a:prstGeom>
-          <a:solidFill>
-            <a:schemeClr val="bg1">
-              <a:lumMod val="85000"/>
-            </a:schemeClr>
-          </a:solidFill>
-          <a:ln>
-            <a:solidFill>
-              <a:schemeClr val="tx1"/>
-            </a:solidFill>
-          </a:ln>
-        </p:spPr>
-        <p:style>
-          <a:lnRef idx="2">
-            <a:schemeClr val="accent1">
-              <a:shade val="50000"/>
-            </a:schemeClr>
-          </a:lnRef>
-          <a:fillRef idx="1">
-            <a:schemeClr val="accent1"/>
-          </a:fillRef>
-          <a:effectRef idx="0">
-            <a:schemeClr val="accent1"/>
-          </a:effectRef>
-          <a:fontRef idx="minor">
-            <a:schemeClr val="lt1"/>
-          </a:fontRef>
-        </p:style>
-        <p:txBody>
-          <a:bodyPr rtlCol="0" anchor="ctr"/>
-          <a:lstStyle/>
-          <a:p>
-            <a:pPr algn="ctr"/>
-            <a:endParaRPr lang="en-GB"/>
-          </a:p>
-        </p:txBody>
-      </p:sp>
-      <p:sp>
-        <p:nvSpPr>
-          <p:cNvPr id="7168" name="Trapezoid 7167"/>
-          <p:cNvSpPr/>
-          <p:nvPr/>
-        </p:nvSpPr>
-        <p:spPr>
-          <a:xfrm rot="10800000">
-            <a:off x="4134926" y="3417960"/>
-            <a:ext cx="282324" cy="112640"/>
-          </a:xfrm>
-          <a:prstGeom prst="trapezoid">
-            <a:avLst/>
-          </a:prstGeom>
-          <a:solidFill>
-            <a:schemeClr val="bg1">
-              <a:lumMod val="85000"/>
-            </a:schemeClr>
-          </a:solidFill>
-          <a:ln>
-            <a:solidFill>
-              <a:schemeClr val="tx1"/>
-            </a:solidFill>
-          </a:ln>
-        </p:spPr>
-        <p:style>
-          <a:lnRef idx="2">
-            <a:schemeClr val="accent1">
-              <a:shade val="50000"/>
-            </a:schemeClr>
-          </a:lnRef>
-          <a:fillRef idx="1">
-            <a:schemeClr val="accent1"/>
-          </a:fillRef>
-          <a:effectRef idx="0">
-            <a:schemeClr val="accent1"/>
-          </a:effectRef>
-          <a:fontRef idx="minor">
-            <a:schemeClr val="lt1"/>
-          </a:fontRef>
-        </p:style>
-        <p:txBody>
-          <a:bodyPr rtlCol="0" anchor="ctr"/>
-          <a:lstStyle/>
-          <a:p>
-            <a:pPr algn="ctr"/>
-            <a:endParaRPr lang="en-GB"/>
-          </a:p>
-        </p:txBody>
-      </p:sp>
-      <p:sp>
-        <p:nvSpPr>
-          <p:cNvPr id="87" name="Isosceles Triangle 86"/>
-          <p:cNvSpPr/>
-          <p:nvPr/>
-        </p:nvSpPr>
-        <p:spPr>
-          <a:xfrm>
-            <a:off x="5577146" y="2948519"/>
-            <a:ext cx="348426" cy="207434"/>
-          </a:xfrm>
-          <a:prstGeom prst="triangle">
-            <a:avLst/>
-          </a:prstGeom>
-          <a:solidFill>
-            <a:schemeClr val="bg1">
-              <a:lumMod val="85000"/>
-            </a:schemeClr>
-          </a:solidFill>
-          <a:ln>
-            <a:solidFill>
-              <a:schemeClr val="tx1"/>
-            </a:solidFill>
-          </a:ln>
-        </p:spPr>
-        <p:style>
-          <a:lnRef idx="2">
-            <a:schemeClr val="accent1">
-              <a:shade val="50000"/>
-            </a:schemeClr>
-          </a:lnRef>
-          <a:fillRef idx="1">
-            <a:schemeClr val="accent1"/>
-          </a:fillRef>
-          <a:effectRef idx="0">
-            <a:schemeClr val="accent1"/>
-          </a:effectRef>
-          <a:fontRef idx="minor">
-            <a:schemeClr val="lt1"/>
-          </a:fontRef>
-        </p:style>
-        <p:txBody>
-          <a:bodyPr rtlCol="0" anchor="ctr"/>
-          <a:lstStyle/>
-          <a:p>
-            <a:pPr algn="ctr"/>
-            <a:endParaRPr lang="en-GB"/>
-          </a:p>
-        </p:txBody>
-      </p:sp>
-      <p:sp>
-        <p:nvSpPr>
-          <p:cNvPr id="88" name="Rectangle 87"/>
-          <p:cNvSpPr/>
-          <p:nvPr/>
-        </p:nvSpPr>
-        <p:spPr>
-          <a:xfrm>
-            <a:off x="5577146" y="3161080"/>
-            <a:ext cx="348426" cy="332643"/>
-          </a:xfrm>
-          <a:prstGeom prst="rect">
-            <a:avLst/>
-          </a:prstGeom>
-          <a:solidFill>
-            <a:schemeClr val="bg1">
-              <a:lumMod val="85000"/>
-            </a:schemeClr>
-          </a:solidFill>
-          <a:ln>
-            <a:solidFill>
-              <a:schemeClr val="tx1"/>
-            </a:solidFill>
-          </a:ln>
-        </p:spPr>
-        <p:style>
-          <a:lnRef idx="2">
-            <a:schemeClr val="accent1">
-              <a:shade val="50000"/>
-            </a:schemeClr>
-          </a:lnRef>
-          <a:fillRef idx="1">
-            <a:schemeClr val="accent1"/>
-          </a:fillRef>
-          <a:effectRef idx="0">
-            <a:schemeClr val="accent1"/>
-          </a:effectRef>
-          <a:fontRef idx="minor">
-            <a:schemeClr val="lt1"/>
-          </a:fontRef>
-        </p:style>
-        <p:txBody>
-          <a:bodyPr rtlCol="0" anchor="ctr"/>
-          <a:lstStyle/>
-          <a:p>
-            <a:pPr algn="ctr"/>
-            <a:endParaRPr lang="en-GB"/>
-          </a:p>
-        </p:txBody>
-      </p:sp>
-      <p:sp>
-        <p:nvSpPr>
-          <p:cNvPr id="89" name="Rectangle 88"/>
-          <p:cNvSpPr/>
-          <p:nvPr/>
-        </p:nvSpPr>
-        <p:spPr>
-          <a:xfrm>
-            <a:off x="3398541" y="5422556"/>
-            <a:ext cx="120356" cy="222420"/>
-          </a:xfrm>
-          <a:prstGeom prst="rect">
-            <a:avLst/>
-          </a:prstGeom>
-          <a:solidFill>
-            <a:schemeClr val="bg1">
-              <a:lumMod val="85000"/>
-            </a:schemeClr>
-          </a:solidFill>
-          <a:ln>
-            <a:solidFill>
-              <a:schemeClr val="tx1"/>
-            </a:solidFill>
-          </a:ln>
-        </p:spPr>
-        <p:style>
-          <a:lnRef idx="2">
-            <a:schemeClr val="accent1">
-              <a:shade val="50000"/>
-            </a:schemeClr>
-          </a:lnRef>
-          <a:fillRef idx="1">
-            <a:schemeClr val="accent1"/>
-          </a:fillRef>
-          <a:effectRef idx="0">
-            <a:schemeClr val="accent1"/>
-          </a:effectRef>
-          <a:fontRef idx="minor">
-            <a:schemeClr val="lt1"/>
-          </a:fontRef>
-        </p:style>
-        <p:txBody>
-          <a:bodyPr rtlCol="0" anchor="ctr"/>
-          <a:lstStyle/>
-          <a:p>
-            <a:pPr algn="ctr"/>
-            <a:endParaRPr lang="en-GB"/>
-          </a:p>
-        </p:txBody>
-      </p:sp>
-      <p:sp>
-        <p:nvSpPr>
-          <p:cNvPr id="90" name="Isosceles Triangle 89"/>
-          <p:cNvSpPr/>
-          <p:nvPr/>
-        </p:nvSpPr>
-        <p:spPr>
-          <a:xfrm>
-            <a:off x="3398541" y="5649745"/>
-            <a:ext cx="120356" cy="138700"/>
-          </a:xfrm>
-          <a:prstGeom prst="triangle">
-            <a:avLst/>
-          </a:prstGeom>
-          <a:solidFill>
-            <a:schemeClr val="bg1">
-              <a:lumMod val="85000"/>
-            </a:schemeClr>
-          </a:solidFill>
-          <a:ln>
-            <a:solidFill>
-              <a:schemeClr val="tx1"/>
-            </a:solidFill>
-          </a:ln>
-        </p:spPr>
-        <p:style>
-          <a:lnRef idx="2">
-            <a:schemeClr val="accent1">
-              <a:shade val="50000"/>
-            </a:schemeClr>
-          </a:lnRef>
-          <a:fillRef idx="1">
-            <a:schemeClr val="accent1"/>
-          </a:fillRef>
-          <a:effectRef idx="0">
-            <a:schemeClr val="accent1"/>
-          </a:effectRef>
-          <a:fontRef idx="minor">
-            <a:schemeClr val="lt1"/>
-          </a:fontRef>
-        </p:style>
-        <p:txBody>
-          <a:bodyPr rtlCol="0" anchor="ctr"/>
-          <a:lstStyle/>
-          <a:p>
-            <a:pPr algn="ctr"/>
-            <a:endParaRPr lang="en-GB"/>
-          </a:p>
-        </p:txBody>
-      </p:sp>
-      <p:sp>
-        <p:nvSpPr>
           <p:cNvPr id="7169" name="TextBox 7168"/>
           <p:cNvSpPr txBox="1"/>
           <p:nvPr/>
@@ -6111,7 +5964,7 @@
           <p:nvPr/>
         </p:nvPicPr>
         <p:blipFill>
-          <a:blip r:embed="rId2" cstate="print">
+          <a:blip r:embed="rId3" cstate="print">
             <a:extLst>
               <a:ext uri="{28A0092B-C50C-407E-A947-70E740481C1C}">
                 <a14:useLocalDpi xmlns:a14="http://schemas.microsoft.com/office/drawing/2010/main" val="0"/>
@@ -6830,6 +6683,145 @@
           </a:p>
         </p:txBody>
       </p:sp>
+      <p:sp>
+        <p:nvSpPr>
+          <p:cNvPr id="86" name="Rectangle 85"/>
+          <p:cNvSpPr/>
+          <p:nvPr/>
+        </p:nvSpPr>
+        <p:spPr>
+          <a:xfrm>
+            <a:off x="4953000" y="1825625"/>
+            <a:ext cx="3562350" cy="418042"/>
+          </a:xfrm>
+          <a:prstGeom prst="rect">
+            <a:avLst/>
+          </a:prstGeom>
+          <a:solidFill>
+            <a:schemeClr val="tx1"/>
+          </a:solidFill>
+          <a:ln>
+            <a:noFill/>
+          </a:ln>
+        </p:spPr>
+        <p:style>
+          <a:lnRef idx="2">
+            <a:schemeClr val="accent1">
+              <a:shade val="50000"/>
+            </a:schemeClr>
+          </a:lnRef>
+          <a:fillRef idx="1">
+            <a:schemeClr val="accent1"/>
+          </a:fillRef>
+          <a:effectRef idx="0">
+            <a:schemeClr val="accent1"/>
+          </a:effectRef>
+          <a:fontRef idx="minor">
+            <a:schemeClr val="lt1"/>
+          </a:fontRef>
+        </p:style>
+        <p:txBody>
+          <a:bodyPr rtlCol="0" anchor="ctr"/>
+          <a:lstStyle/>
+          <a:p>
+            <a:pPr algn="r"/>
+            <a:r>
+              <a:rPr lang="en-GB" dirty="0" smtClean="0"/>
+              <a:t>Budget: ₴500   Mass: 500 kg</a:t>
+            </a:r>
+            <a:endParaRPr lang="en-GB" dirty="0"/>
+          </a:p>
+        </p:txBody>
+      </p:sp>
+      <p:sp>
+        <p:nvSpPr>
+          <p:cNvPr id="91" name="Isosceles Triangle 90"/>
+          <p:cNvSpPr/>
+          <p:nvPr/>
+        </p:nvSpPr>
+        <p:spPr>
+          <a:xfrm flipH="1" flipV="1">
+            <a:off x="5399384" y="1977407"/>
+            <a:ext cx="276396" cy="146126"/>
+          </a:xfrm>
+          <a:prstGeom prst="triangle">
+            <a:avLst/>
+          </a:prstGeom>
+          <a:solidFill>
+            <a:schemeClr val="bg1"/>
+          </a:solidFill>
+          <a:ln>
+            <a:solidFill>
+              <a:schemeClr val="bg1"/>
+            </a:solidFill>
+          </a:ln>
+        </p:spPr>
+        <p:style>
+          <a:lnRef idx="2">
+            <a:schemeClr val="accent1">
+              <a:shade val="50000"/>
+            </a:schemeClr>
+          </a:lnRef>
+          <a:fillRef idx="1">
+            <a:schemeClr val="accent1"/>
+          </a:fillRef>
+          <a:effectRef idx="0">
+            <a:schemeClr val="accent1"/>
+          </a:effectRef>
+          <a:fontRef idx="minor">
+            <a:schemeClr val="lt1"/>
+          </a:fontRef>
+        </p:style>
+        <p:txBody>
+          <a:bodyPr rtlCol="0" anchor="ctr"/>
+          <a:lstStyle/>
+          <a:p>
+            <a:pPr algn="ctr"/>
+            <a:endParaRPr lang="en-GB"/>
+          </a:p>
+        </p:txBody>
+      </p:sp>
+      <p:pic>
+        <p:nvPicPr>
+          <p:cNvPr id="94" name="Picture 10" descr="alert, attention, danger, error, exclamation, problem, warning icon"/>
+          <p:cNvPicPr>
+            <a:picLocks noChangeAspect="1" noChangeArrowheads="1"/>
+          </p:cNvPicPr>
+          <p:nvPr/>
+        </p:nvPicPr>
+        <p:blipFill>
+          <a:blip r:embed="rId3" cstate="print">
+            <a:extLst>
+              <a:ext uri="{28A0092B-C50C-407E-A947-70E740481C1C}">
+                <a14:useLocalDpi xmlns:a14="http://schemas.microsoft.com/office/drawing/2010/main" val="0"/>
+              </a:ext>
+            </a:extLst>
+          </a:blip>
+          <a:srcRect/>
+          <a:stretch>
+            <a:fillRect/>
+          </a:stretch>
+        </p:blipFill>
+        <p:spPr bwMode="auto">
+          <a:xfrm>
+            <a:off x="4982489" y="1854646"/>
+            <a:ext cx="360000" cy="360000"/>
+          </a:xfrm>
+          <a:prstGeom prst="rect">
+            <a:avLst/>
+          </a:prstGeom>
+          <a:noFill/>
+          <a:extLst>
+            <a:ext uri="{909E8E84-426E-40DD-AFC4-6F175D3DCCD1}">
+              <a14:hiddenFill xmlns:a14="http://schemas.microsoft.com/office/drawing/2010/main">
+                <a:solidFill>
+                  <a:srgbClr val="FFFFFF"/>
+                </a:solidFill>
+              </a14:hiddenFill>
+            </a:ext>
+          </a:extLst>
+        </p:spPr>
+      </p:pic>
     </p:spTree>
     <p:extLst>
       <p:ext uri="{BB962C8B-B14F-4D97-AF65-F5344CB8AC3E}">
@@ -6881,11 +6873,7 @@
             </a:r>
             <a:r>
               <a:rPr lang="en-GB" dirty="0" smtClean="0"/>
-              <a:t>. </a:t>
-            </a:r>
-            <a:r>
-              <a:rPr lang="en-GB" dirty="0" smtClean="0"/>
-              <a:t>Launch</a:t>
+              <a:t>. Launch</a:t>
             </a:r>
             <a:endParaRPr lang="en-GB" dirty="0"/>
           </a:p>
@@ -7723,11 +7711,7 @@
             </a:r>
             <a:r>
               <a:rPr lang="en-GB" dirty="0" smtClean="0"/>
-              <a:t>a</a:t>
-            </a:r>
-            <a:r>
-              <a:rPr lang="en-GB" dirty="0" smtClean="0"/>
-              <a:t>. Pick a goal/objective (</a:t>
+              <a:t>a. Pick a goal/objective (</a:t>
             </a:r>
             <a:r>
               <a:rPr lang="en-GB" dirty="0" err="1" smtClean="0"/>
@@ -8432,11 +8416,7 @@
             </a:r>
             <a:r>
               <a:rPr lang="en-GB" dirty="0" smtClean="0"/>
-              <a:t>b</a:t>
-            </a:r>
-            <a:r>
-              <a:rPr lang="en-GB" dirty="0" smtClean="0"/>
-              <a:t>. Pick a goal/objective (</a:t>
+              <a:t>b. Pick a goal/objective (</a:t>
             </a:r>
             <a:r>
               <a:rPr lang="en-GB" dirty="0" err="1" smtClean="0"/>
@@ -8674,15 +8654,7 @@
                   <a:sysClr val="windowText" lastClr="000000"/>
                 </a:solidFill>
               </a:rPr>
-              <a:t>Budget</a:t>
-            </a:r>
-            <a:r>
-              <a:rPr lang="en-GB" sz="1400" dirty="0" smtClean="0">
-                <a:solidFill>
-                  <a:sysClr val="windowText" lastClr="000000"/>
-                </a:solidFill>
-              </a:rPr>
-              <a:t>: ₴200</a:t>
+              <a:t>Budget: ₴200</a:t>
             </a:r>
           </a:p>
           <a:p>
@@ -8812,15 +8784,7 @@
                   <a:sysClr val="windowText" lastClr="000000"/>
                 </a:solidFill>
               </a:rPr>
-              <a:t>Budget</a:t>
-            </a:r>
-            <a:r>
-              <a:rPr lang="en-GB" sz="1400" dirty="0" smtClean="0">
-                <a:solidFill>
-                  <a:sysClr val="windowText" lastClr="000000"/>
-                </a:solidFill>
-              </a:rPr>
-              <a:t>: ₴500</a:t>
+              <a:t>Budget: ₴500</a:t>
             </a:r>
           </a:p>
           <a:p>
@@ -9048,11 +9012,7 @@
             </a:r>
             <a:r>
               <a:rPr lang="en-GB" dirty="0" smtClean="0"/>
-              <a:t>c</a:t>
-            </a:r>
-            <a:r>
-              <a:rPr lang="en-GB" dirty="0" smtClean="0"/>
-              <a:t>. Pick a goal/objective (Earth </a:t>
+              <a:t>c. Pick a goal/objective (Earth </a:t>
             </a:r>
             <a:r>
               <a:rPr lang="en-GB" dirty="0" err="1" smtClean="0"/>
@@ -9483,15 +9443,7 @@
                   <a:sysClr val="windowText" lastClr="000000"/>
                 </a:solidFill>
               </a:rPr>
-              <a:t>Budget</a:t>
-            </a:r>
-            <a:r>
-              <a:rPr lang="en-GB" sz="1400" dirty="0" smtClean="0">
-                <a:solidFill>
-                  <a:sysClr val="windowText" lastClr="000000"/>
-                </a:solidFill>
-              </a:rPr>
-              <a:t>: ₴200</a:t>
+              <a:t>Budget: ₴200</a:t>
             </a:r>
           </a:p>
           <a:p>
@@ -9786,11 +9738,7 @@
             </a:r>
             <a:r>
               <a:rPr lang="en-GB" dirty="0" smtClean="0"/>
-              <a:t>. </a:t>
-            </a:r>
-            <a:r>
-              <a:rPr lang="en-GB" dirty="0" smtClean="0"/>
-              <a:t>Satellite size</a:t>
+              <a:t>. Satellite size</a:t>
             </a:r>
             <a:endParaRPr lang="en-GB" dirty="0"/>
           </a:p>
@@ -12786,6 +12734,49 @@
           </a:p>
         </p:txBody>
       </p:sp>
+      <p:sp>
+        <p:nvSpPr>
+          <p:cNvPr id="8" name="TextBox 7"/>
+          <p:cNvSpPr txBox="1"/>
+          <p:nvPr/>
+        </p:nvSpPr>
+        <p:spPr>
+          <a:xfrm>
+            <a:off x="1040142" y="4343324"/>
+            <a:ext cx="1871991" cy="923330"/>
+          </a:xfrm>
+          <a:prstGeom prst="rect">
+            <a:avLst/>
+          </a:prstGeom>
+          <a:noFill/>
+          <a:ln w="28575">
+            <a:solidFill>
+              <a:srgbClr val="FF0000"/>
+            </a:solidFill>
+          </a:ln>
+        </p:spPr>
+        <p:txBody>
+          <a:bodyPr wrap="square" rtlCol="0">
+            <a:spAutoFit/>
+          </a:bodyPr>
+          <a:lstStyle/>
+          <a:p>
+            <a:r>
+              <a:rPr lang="en-GB" dirty="0" smtClean="0">
+                <a:solidFill>
+                  <a:srgbClr val="FF0000"/>
+                </a:solidFill>
+              </a:rPr>
+              <a:t>Cost, base power requirement, mass allowance</a:t>
+            </a:r>
+            <a:endParaRPr lang="en-GB" dirty="0">
+              <a:solidFill>
+                <a:srgbClr val="FF0000"/>
+              </a:solidFill>
+            </a:endParaRPr>
+          </a:p>
+        </p:txBody>
+      </p:sp>
     </p:spTree>
     <p:extLst>
       <p:ext uri="{BB962C8B-B14F-4D97-AF65-F5344CB8AC3E}">
@@ -13133,7 +13124,6 @@
               <a:rPr lang="en-GB" sz="1400" b="1" dirty="0" smtClean="0"/>
               <a:t>Low Earth orbit</a:t>
             </a:r>
-            <a:endParaRPr lang="en-GB" sz="1400" b="1" dirty="0" smtClean="0"/>
           </a:p>
           <a:p>
             <a:pPr defTabSz="719138">
@@ -13166,7 +13156,6 @@
               <a:rPr lang="en-GB" sz="1100" dirty="0"/>
               <a:t>	</a:t>
             </a:r>
-            <a:endParaRPr lang="en-GB" sz="1100" dirty="0"/>
           </a:p>
         </p:txBody>
       </p:sp>
@@ -13267,13 +13256,8 @@
             </a:pPr>
             <a:r>
               <a:rPr lang="en-GB" sz="1400" b="1" dirty="0" smtClean="0"/>
-              <a:t>	</a:t>
-            </a:r>
-            <a:r>
-              <a:rPr lang="en-GB" sz="1400" b="1" dirty="0" smtClean="0"/>
-              <a:t>Medium Earth orbit</a:t>
-            </a:r>
-            <a:endParaRPr lang="en-GB" sz="1400" b="1" dirty="0" smtClean="0"/>
+              <a:t>	Medium Earth orbit</a:t>
+            </a:r>
           </a:p>
           <a:p>
             <a:pPr defTabSz="747713">
@@ -13284,11 +13268,7 @@
             </a:pPr>
             <a:r>
               <a:rPr lang="en-GB" sz="1100" b="1" dirty="0" smtClean="0"/>
-              <a:t>	</a:t>
-            </a:r>
-            <a:r>
-              <a:rPr lang="en-GB" sz="1100" b="1" dirty="0" smtClean="0"/>
-              <a:t>Altitude: </a:t>
+              <a:t>	Altitude: </a:t>
             </a:r>
             <a:r>
               <a:rPr lang="en-GB" sz="1100" dirty="0" smtClean="0"/>
@@ -13327,7 +13307,6 @@
               <a:rPr lang="en-GB" sz="1100" dirty="0" smtClean="0"/>
               <a:t>Can typically see </a:t>
             </a:r>
-            <a:endParaRPr lang="en-GB" sz="1100" dirty="0" smtClean="0"/>
           </a:p>
           <a:p>
             <a:pPr defTabSz="747713">
@@ -13443,7 +13422,6 @@
               <a:rPr lang="en-GB" sz="1400" b="1" dirty="0" smtClean="0"/>
               <a:t>Sun-synchronous orbit</a:t>
             </a:r>
-            <a:endParaRPr lang="en-GB" sz="1400" b="1" dirty="0" smtClean="0"/>
           </a:p>
           <a:p>
             <a:pPr defTabSz="747713">
@@ -13454,11 +13432,7 @@
             </a:pPr>
             <a:r>
               <a:rPr lang="en-GB" sz="1100" b="1" dirty="0" smtClean="0"/>
-              <a:t>	</a:t>
-            </a:r>
-            <a:r>
-              <a:rPr lang="en-GB" sz="1100" b="1" dirty="0" smtClean="0"/>
-              <a:t>Altitude: </a:t>
+              <a:t>	Altitude: </a:t>
             </a:r>
             <a:r>
               <a:rPr lang="en-GB" sz="1100" dirty="0" smtClean="0"/>
@@ -13748,29 +13722,8 @@
                   <a:srgbClr val="FF0000"/>
                 </a:solidFill>
               </a:rPr>
-              <a:t>Title</a:t>
-            </a:r>
-            <a:r>
-              <a:rPr lang="en-GB" sz="1200" dirty="0" smtClean="0">
-                <a:solidFill>
-                  <a:srgbClr val="FF0000"/>
-                </a:solidFill>
-              </a:rPr>
-              <a:t>, </a:t>
-            </a:r>
-            <a:r>
-              <a:rPr lang="en-GB" sz="1200" dirty="0" smtClean="0">
-                <a:solidFill>
-                  <a:srgbClr val="FF0000"/>
-                </a:solidFill>
-              </a:rPr>
-              <a:t>Altitude</a:t>
-            </a:r>
-            <a:endParaRPr lang="en-GB" sz="1200" dirty="0" smtClean="0">
-              <a:solidFill>
-                <a:srgbClr val="FF0000"/>
-              </a:solidFill>
-            </a:endParaRPr>
+              <a:t>Title, Altitude</a:t>
+            </a:r>
           </a:p>
         </p:txBody>
       </p:sp>
@@ -14177,11 +14130,6 @@
               </a:rPr>
               <a:t>Similar to Design a Space Telescope image</a:t>
             </a:r>
-            <a:endParaRPr lang="en-GB" sz="1200" dirty="0" smtClean="0">
-              <a:solidFill>
-                <a:srgbClr val="FF0000"/>
-              </a:solidFill>
-            </a:endParaRPr>
           </a:p>
         </p:txBody>
       </p:sp>
@@ -14242,7 +14190,6 @@
               <a:rPr lang="en-GB" dirty="0" smtClean="0"/>
               <a:t>See the whole planet</a:t>
             </a:r>
-            <a:endParaRPr lang="en-GB" dirty="0" smtClean="0"/>
           </a:p>
           <a:p>
             <a:pPr algn="ctr"/>
@@ -14280,11 +14227,6 @@
               </a:rPr>
               <a:t>Requirements relating to orbit</a:t>
             </a:r>
-            <a:endParaRPr lang="en-GB" sz="1200" dirty="0" smtClean="0">
-              <a:solidFill>
-                <a:srgbClr val="FF0000"/>
-              </a:solidFill>
-            </a:endParaRPr>
           </a:p>
         </p:txBody>
       </p:sp>
@@ -14339,11 +14281,7 @@
             </a:r>
             <a:r>
               <a:rPr lang="en-GB" dirty="0" smtClean="0"/>
-              <a:t>. </a:t>
-            </a:r>
-            <a:r>
-              <a:rPr lang="en-GB" dirty="0" smtClean="0"/>
-              <a:t>Select your instruments</a:t>
+              <a:t>. Select your instruments</a:t>
             </a:r>
             <a:endParaRPr lang="en-GB" dirty="0"/>
           </a:p>
@@ -14592,11 +14530,7 @@
             <a:pPr algn="r"/>
             <a:r>
               <a:rPr lang="en-GB" dirty="0" smtClean="0"/>
-              <a:t>Budget: ₴</a:t>
-            </a:r>
-            <a:r>
-              <a:rPr lang="en-GB" dirty="0" smtClean="0"/>
-              <a:t>500   Mass: 500 kg</a:t>
+              <a:t>Budget: ₴500   Mass: 500 kg</a:t>
             </a:r>
             <a:endParaRPr lang="en-GB" dirty="0"/>
           </a:p>
@@ -14675,19 +14609,7 @@
             </a:r>
             <a:r>
               <a:rPr lang="en-GB" sz="1100" dirty="0" smtClean="0"/>
-              <a:t>₴</a:t>
-            </a:r>
-            <a:r>
-              <a:rPr lang="en-GB" sz="1100" dirty="0" smtClean="0"/>
-              <a:t>40</a:t>
-            </a:r>
-            <a:r>
-              <a:rPr lang="en-GB" sz="1100" dirty="0" smtClean="0"/>
-              <a:t>	Size: </a:t>
-            </a:r>
-            <a:r>
-              <a:rPr lang="en-GB" sz="1100" dirty="0" smtClean="0"/>
-              <a:t>S</a:t>
+              <a:t>₴40	Size: S</a:t>
             </a:r>
           </a:p>
           <a:p>
@@ -14970,11 +14892,7 @@
             </a:r>
             <a:r>
               <a:rPr lang="en-GB" sz="1100" dirty="0" smtClean="0"/>
-              <a:t>₴50	Size: </a:t>
-            </a:r>
-            <a:r>
-              <a:rPr lang="en-GB" sz="1100" dirty="0" smtClean="0"/>
-              <a:t>S</a:t>
+              <a:t>₴50	Size: S</a:t>
             </a:r>
           </a:p>
           <a:p>
@@ -15326,21 +15244,8 @@
                   <a:srgbClr val="FF0000"/>
                 </a:solidFill>
               </a:rPr>
-              <a:t>Icon, Title, Cost, </a:t>
-            </a:r>
-            <a:r>
-              <a:rPr lang="en-GB" sz="1200" dirty="0" smtClean="0">
-                <a:solidFill>
-                  <a:srgbClr val="FF0000"/>
-                </a:solidFill>
-              </a:rPr>
-              <a:t>Size, Mass</a:t>
-            </a:r>
-            <a:endParaRPr lang="en-GB" sz="1200" dirty="0" smtClean="0">
-              <a:solidFill>
-                <a:srgbClr val="FF0000"/>
-              </a:solidFill>
-            </a:endParaRPr>
+              <a:t>Icon, Title, Cost, Size, Mass</a:t>
+            </a:r>
           </a:p>
         </p:txBody>
       </p:sp>
@@ -15936,23 +15841,7 @@
                   <a:srgbClr val="FF0000"/>
                 </a:solidFill>
               </a:rPr>
-              <a:t>Arrow shows </a:t>
-            </a:r>
-            <a:r>
-              <a:rPr lang="en-GB" sz="1100" dirty="0" smtClean="0">
-                <a:solidFill>
-                  <a:srgbClr val="FF0000"/>
-                </a:solidFill>
-              </a:rPr>
-              <a:t>breakdown of budget and mass, </a:t>
-            </a:r>
-            <a:r>
-              <a:rPr lang="en-GB" sz="1100" dirty="0" smtClean="0">
-                <a:solidFill>
-                  <a:srgbClr val="FF0000"/>
-                </a:solidFill>
-              </a:rPr>
-              <a:t>but not total</a:t>
+              <a:t>Arrow shows breakdown of budget and mass, but not total</a:t>
             </a:r>
           </a:p>
         </p:txBody>
@@ -16955,11 +16844,7 @@
             </a:r>
             <a:r>
               <a:rPr lang="en-GB" dirty="0" smtClean="0"/>
-              <a:t>. </a:t>
-            </a:r>
-            <a:r>
-              <a:rPr lang="en-GB" dirty="0" smtClean="0"/>
-              <a:t>Select power</a:t>
+              <a:t>. Select power</a:t>
             </a:r>
             <a:endParaRPr lang="en-GB" dirty="0"/>
           </a:p>
@@ -17225,23 +17110,25 @@
       </p:sp>
       <p:sp>
         <p:nvSpPr>
-          <p:cNvPr id="33" name="Rectangle 32"/>
+          <p:cNvPr id="40" name="Isosceles Triangle 39"/>
           <p:cNvSpPr/>
           <p:nvPr/>
         </p:nvSpPr>
         <p:spPr>
-          <a:xfrm>
-            <a:off x="6235700" y="1825625"/>
-            <a:ext cx="2279650" cy="418042"/>
-          </a:xfrm>
-          <a:prstGeom prst="rect">
+          <a:xfrm rot="5400000">
+            <a:off x="7718856" y="3045656"/>
+            <a:ext cx="939114" cy="370703"/>
+          </a:xfrm>
+          <a:prstGeom prst="triangle">
             <a:avLst/>
           </a:prstGeom>
           <a:solidFill>
             <a:schemeClr val="tx1"/>
           </a:solidFill>
           <a:ln>
-            <a:noFill/>
+            <a:solidFill>
+              <a:schemeClr val="tx1"/>
+            </a:solidFill>
           </a:ln>
         </p:spPr>
         <p:style>
@@ -17264,18 +17151,62 @@
           <a:bodyPr rtlCol="0" anchor="ctr"/>
           <a:lstStyle/>
           <a:p>
-            <a:pPr algn="r"/>
-            <a:r>
-              <a:rPr lang="en-GB" dirty="0" smtClean="0"/>
-              <a:t>Budget: ₴500</a:t>
-            </a:r>
-            <a:endParaRPr lang="en-GB" dirty="0"/>
+            <a:pPr algn="ctr"/>
+            <a:endParaRPr lang="en-GB"/>
+          </a:p>
+        </p:txBody>
+      </p:sp>
+      <p:sp>
+        <p:nvSpPr>
+          <p:cNvPr id="41" name="Isosceles Triangle 40"/>
+          <p:cNvSpPr/>
+          <p:nvPr/>
+        </p:nvSpPr>
+        <p:spPr>
+          <a:xfrm rot="16200000">
+            <a:off x="496328" y="3045656"/>
+            <a:ext cx="939114" cy="370703"/>
+          </a:xfrm>
+          <a:prstGeom prst="triangle">
+            <a:avLst/>
+          </a:prstGeom>
+          <a:solidFill>
+            <a:schemeClr val="tx1"/>
+          </a:solidFill>
+          <a:ln>
+            <a:solidFill>
+              <a:schemeClr val="tx1"/>
+            </a:solidFill>
+          </a:ln>
+        </p:spPr>
+        <p:style>
+          <a:lnRef idx="2">
+            <a:schemeClr val="accent1">
+              <a:shade val="50000"/>
+            </a:schemeClr>
+          </a:lnRef>
+          <a:fillRef idx="1">
+            <a:schemeClr val="accent1"/>
+          </a:fillRef>
+          <a:effectRef idx="0">
+            <a:schemeClr val="accent1"/>
+          </a:effectRef>
+          <a:fontRef idx="minor">
+            <a:schemeClr val="lt1"/>
+          </a:fontRef>
+        </p:style>
+        <p:txBody>
+          <a:bodyPr rtlCol="0" anchor="ctr"/>
+          <a:lstStyle/>
+          <a:p>
+            <a:pPr algn="ctr"/>
+            <a:endParaRPr lang="en-GB"/>
           </a:p>
         </p:txBody>
       </p:sp>
       <p:pic>
         <p:nvPicPr>
-          <p:cNvPr id="34" name="Picture 10" descr="alert, attention, danger, error, exclamation, problem, warning icon"/>
+          <p:cNvPr id="42" name="Picture 10" descr="alert, attention, danger, error, exclamation, problem, warning icon"/>
           <p:cNvPicPr>
             <a:picLocks noChangeAspect="1" noChangeArrowheads="1"/>
           </p:cNvPicPr>
@@ -17296,191 +17227,6 @@
         </p:blipFill>
         <p:spPr bwMode="auto">
           <a:xfrm>
-            <a:off x="6305116" y="1854646"/>
-            <a:ext cx="360000" cy="360000"/>
-          </a:xfrm>
-          <a:prstGeom prst="rect">
-            <a:avLst/>
-          </a:prstGeom>
-          <a:noFill/>
-          <a:extLst>
-            <a:ext uri="{909E8E84-426E-40DD-AFC4-6F175D3DCCD1}">
-              <a14:hiddenFill xmlns:a14="http://schemas.microsoft.com/office/drawing/2010/main">
-                <a:solidFill>
-                  <a:srgbClr val="FFFFFF"/>
-                </a:solidFill>
-              </a14:hiddenFill>
-            </a:ext>
-          </a:extLst>
-        </p:spPr>
-      </p:pic>
-      <p:sp>
-        <p:nvSpPr>
-          <p:cNvPr id="35" name="Isosceles Triangle 34"/>
-          <p:cNvSpPr/>
-          <p:nvPr/>
-        </p:nvSpPr>
-        <p:spPr>
-          <a:xfrm flipH="1" flipV="1">
-            <a:off x="6813585" y="1977407"/>
-            <a:ext cx="276396" cy="146126"/>
-          </a:xfrm>
-          <a:prstGeom prst="triangle">
-            <a:avLst/>
-          </a:prstGeom>
-          <a:solidFill>
-            <a:schemeClr val="bg1"/>
-          </a:solidFill>
-          <a:ln>
-            <a:solidFill>
-              <a:schemeClr val="bg1"/>
-            </a:solidFill>
-          </a:ln>
-        </p:spPr>
-        <p:style>
-          <a:lnRef idx="2">
-            <a:schemeClr val="accent1">
-              <a:shade val="50000"/>
-            </a:schemeClr>
-          </a:lnRef>
-          <a:fillRef idx="1">
-            <a:schemeClr val="accent1"/>
-          </a:fillRef>
-          <a:effectRef idx="0">
-            <a:schemeClr val="accent1"/>
-          </a:effectRef>
-          <a:fontRef idx="minor">
-            <a:schemeClr val="lt1"/>
-          </a:fontRef>
-        </p:style>
-        <p:txBody>
-          <a:bodyPr rtlCol="0" anchor="ctr"/>
-          <a:lstStyle/>
-          <a:p>
-            <a:pPr algn="ctr"/>
-            <a:endParaRPr lang="en-GB"/>
-          </a:p>
-        </p:txBody>
-      </p:sp>
-      <p:sp>
-        <p:nvSpPr>
-          <p:cNvPr id="40" name="Isosceles Triangle 39"/>
-          <p:cNvSpPr/>
-          <p:nvPr/>
-        </p:nvSpPr>
-        <p:spPr>
-          <a:xfrm rot="5400000">
-            <a:off x="7718856" y="3045656"/>
-            <a:ext cx="939114" cy="370703"/>
-          </a:xfrm>
-          <a:prstGeom prst="triangle">
-            <a:avLst/>
-          </a:prstGeom>
-          <a:solidFill>
-            <a:schemeClr val="tx1"/>
-          </a:solidFill>
-          <a:ln>
-            <a:solidFill>
-              <a:schemeClr val="tx1"/>
-            </a:solidFill>
-          </a:ln>
-        </p:spPr>
-        <p:style>
-          <a:lnRef idx="2">
-            <a:schemeClr val="accent1">
-              <a:shade val="50000"/>
-            </a:schemeClr>
-          </a:lnRef>
-          <a:fillRef idx="1">
-            <a:schemeClr val="accent1"/>
-          </a:fillRef>
-          <a:effectRef idx="0">
-            <a:schemeClr val="accent1"/>
-          </a:effectRef>
-          <a:fontRef idx="minor">
-            <a:schemeClr val="lt1"/>
-          </a:fontRef>
-        </p:style>
-        <p:txBody>
-          <a:bodyPr rtlCol="0" anchor="ctr"/>
-          <a:lstStyle/>
-          <a:p>
-            <a:pPr algn="ctr"/>
-            <a:endParaRPr lang="en-GB"/>
-          </a:p>
-        </p:txBody>
-      </p:sp>
-      <p:sp>
-        <p:nvSpPr>
-          <p:cNvPr id="41" name="Isosceles Triangle 40"/>
-          <p:cNvSpPr/>
-          <p:nvPr/>
-        </p:nvSpPr>
-        <p:spPr>
-          <a:xfrm rot="16200000">
-            <a:off x="496328" y="3045656"/>
-            <a:ext cx="939114" cy="370703"/>
-          </a:xfrm>
-          <a:prstGeom prst="triangle">
-            <a:avLst/>
-          </a:prstGeom>
-          <a:solidFill>
-            <a:schemeClr val="tx1"/>
-          </a:solidFill>
-          <a:ln>
-            <a:solidFill>
-              <a:schemeClr val="tx1"/>
-            </a:solidFill>
-          </a:ln>
-        </p:spPr>
-        <p:style>
-          <a:lnRef idx="2">
-            <a:schemeClr val="accent1">
-              <a:shade val="50000"/>
-            </a:schemeClr>
-          </a:lnRef>
-          <a:fillRef idx="1">
-            <a:schemeClr val="accent1"/>
-          </a:fillRef>
-          <a:effectRef idx="0">
-            <a:schemeClr val="accent1"/>
-          </a:effectRef>
-          <a:fontRef idx="minor">
-            <a:schemeClr val="lt1"/>
-          </a:fontRef>
-        </p:style>
-        <p:txBody>
-          <a:bodyPr rtlCol="0" anchor="ctr"/>
-          <a:lstStyle/>
-          <a:p>
-            <a:pPr algn="ctr"/>
-            <a:endParaRPr lang="en-GB"/>
-          </a:p>
-        </p:txBody>
-      </p:sp>
-      <p:pic>
-        <p:nvPicPr>
-          <p:cNvPr id="42" name="Picture 10" descr="alert, attention, danger, error, exclamation, problem, warning icon"/>
-          <p:cNvPicPr>
-            <a:picLocks noChangeAspect="1" noChangeArrowheads="1"/>
-          </p:cNvPicPr>
-          <p:nvPr/>
-        </p:nvPicPr>
-        <p:blipFill>
-          <a:blip r:embed="rId2" cstate="print">
-            <a:extLst>
-              <a:ext uri="{28A0092B-C50C-407E-A947-70E740481C1C}">
-                <a14:useLocalDpi xmlns:a14="http://schemas.microsoft.com/office/drawing/2010/main" val="0"/>
-              </a:ext>
-            </a:extLst>
-          </a:blip>
-          <a:srcRect/>
-          <a:stretch>
-            <a:fillRect/>
-          </a:stretch>
-        </p:blipFill>
-        <p:spPr bwMode="auto">
-          <a:xfrm>
             <a:off x="1380067" y="5715969"/>
             <a:ext cx="360000" cy="360000"/>
           </a:xfrm>
@@ -17570,7 +17316,7 @@
         </p:nvSpPr>
         <p:spPr>
           <a:xfrm>
-            <a:off x="5313313" y="304800"/>
+            <a:off x="5255622" y="555399"/>
             <a:ext cx="3424287" cy="923330"/>
           </a:xfrm>
           <a:prstGeom prst="rect">
@@ -17824,7 +17570,7 @@
           <a:p>
             <a:r>
               <a:rPr lang="en-GB" dirty="0" smtClean="0"/>
-              <a:t>Area:</a:t>
+              <a:t>Number:</a:t>
             </a:r>
             <a:endParaRPr lang="en-GB" dirty="0"/>
           </a:p>
@@ -17977,40 +17723,6 @@
               </a:rPr>
               <a:t>If fixed, area is fixed by satellite size</a:t>
             </a:r>
-          </a:p>
-        </p:txBody>
-      </p:sp>
-      <p:sp>
-        <p:nvSpPr>
-          <p:cNvPr id="59" name="TextBox 58"/>
-          <p:cNvSpPr txBox="1"/>
-          <p:nvPr/>
-        </p:nvSpPr>
-        <p:spPr>
-          <a:xfrm>
-            <a:off x="3483706" y="4109546"/>
-            <a:ext cx="444922" cy="369332"/>
-          </a:xfrm>
-          <a:prstGeom prst="rect">
-            <a:avLst/>
-          </a:prstGeom>
-          <a:noFill/>
-        </p:spPr>
-        <p:txBody>
-          <a:bodyPr wrap="square" rtlCol="0">
-            <a:spAutoFit/>
-          </a:bodyPr>
-          <a:lstStyle/>
-          <a:p>
-            <a:r>
-              <a:rPr lang="en-GB" dirty="0" smtClean="0"/>
-              <a:t>m</a:t>
-            </a:r>
-            <a:r>
-              <a:rPr lang="en-GB" baseline="30000" dirty="0" smtClean="0"/>
-              <a:t>2</a:t>
-            </a:r>
-            <a:endParaRPr lang="en-GB" baseline="30000" dirty="0"/>
           </a:p>
         </p:txBody>
       </p:sp>
@@ -19352,7 +19064,11 @@
             </a:r>
             <a:r>
               <a:rPr lang="en-GB" sz="1100" dirty="0" smtClean="0"/>
-              <a:t>Power: 50 W</a:t>
+              <a:t>Power: 50 </a:t>
+            </a:r>
+            <a:r>
+              <a:rPr lang="en-GB" sz="1100" dirty="0" smtClean="0"/>
+              <a:t>W	Mass: 5 kg</a:t>
             </a:r>
             <a:endParaRPr lang="en-GB" sz="1100" dirty="0"/>
           </a:p>
@@ -20063,6 +19779,145 @@
           </p:txBody>
         </p:sp>
       </p:grpSp>
+      <p:sp>
+        <p:nvSpPr>
+          <p:cNvPr id="75" name="Rectangle 74"/>
+          <p:cNvSpPr/>
+          <p:nvPr/>
+        </p:nvSpPr>
+        <p:spPr>
+          <a:xfrm>
+            <a:off x="4953000" y="1825625"/>
+            <a:ext cx="3562350" cy="418042"/>
+          </a:xfrm>
+          <a:prstGeom prst="rect">
+            <a:avLst/>
+          </a:prstGeom>
+          <a:solidFill>
+            <a:schemeClr val="tx1"/>
+          </a:solidFill>
+          <a:ln>
+            <a:noFill/>
+          </a:ln>
+        </p:spPr>
+        <p:style>
+          <a:lnRef idx="2">
+            <a:schemeClr val="accent1">
+              <a:shade val="50000"/>
+            </a:schemeClr>
+          </a:lnRef>
+          <a:fillRef idx="1">
+            <a:schemeClr val="accent1"/>
+          </a:fillRef>
+          <a:effectRef idx="0">
+            <a:schemeClr val="accent1"/>
+          </a:effectRef>
+          <a:fontRef idx="minor">
+            <a:schemeClr val="lt1"/>
+          </a:fontRef>
+        </p:style>
+        <p:txBody>
+          <a:bodyPr rtlCol="0" anchor="ctr"/>
+          <a:lstStyle/>
+          <a:p>
+            <a:pPr algn="r"/>
+            <a:r>
+              <a:rPr lang="en-GB" dirty="0" smtClean="0"/>
+              <a:t>Budget: ₴500   Mass: 500 kg</a:t>
+            </a:r>
+            <a:endParaRPr lang="en-GB" dirty="0"/>
+          </a:p>
+        </p:txBody>
+      </p:sp>
+      <p:sp>
+        <p:nvSpPr>
+          <p:cNvPr id="89" name="Isosceles Triangle 88"/>
+          <p:cNvSpPr/>
+          <p:nvPr/>
+        </p:nvSpPr>
+        <p:spPr>
+          <a:xfrm flipH="1" flipV="1">
+            <a:off x="5399384" y="1977407"/>
+            <a:ext cx="276396" cy="146126"/>
+          </a:xfrm>
+          <a:prstGeom prst="triangle">
+            <a:avLst/>
+          </a:prstGeom>
+          <a:solidFill>
+            <a:schemeClr val="bg1"/>
+          </a:solidFill>
+          <a:ln>
+            <a:solidFill>
+              <a:schemeClr val="bg1"/>
+            </a:solidFill>
+          </a:ln>
+        </p:spPr>
+        <p:style>
+          <a:lnRef idx="2">
+            <a:schemeClr val="accent1">
+              <a:shade val="50000"/>
+            </a:schemeClr>
+          </a:lnRef>
+          <a:fillRef idx="1">
+            <a:schemeClr val="accent1"/>
+          </a:fillRef>
+          <a:effectRef idx="0">
+            <a:schemeClr val="accent1"/>
+          </a:effectRef>
+          <a:fontRef idx="minor">
+            <a:schemeClr val="lt1"/>
+          </a:fontRef>
+        </p:style>
+        <p:txBody>
+          <a:bodyPr rtlCol="0" anchor="ctr"/>
+          <a:lstStyle/>
+          <a:p>
+            <a:pPr algn="ctr"/>
+            <a:endParaRPr lang="en-GB"/>
+          </a:p>
+        </p:txBody>
+      </p:sp>
+      <p:pic>
+        <p:nvPicPr>
+          <p:cNvPr id="90" name="Picture 10" descr="alert, attention, danger, error, exclamation, problem, warning icon"/>
+          <p:cNvPicPr>
+            <a:picLocks noChangeAspect="1" noChangeArrowheads="1"/>
+          </p:cNvPicPr>
+          <p:nvPr/>
+        </p:nvPicPr>
+        <p:blipFill>
+          <a:blip r:embed="rId2" cstate="print">
+            <a:extLst>
+              <a:ext uri="{28A0092B-C50C-407E-A947-70E740481C1C}">
+                <a14:useLocalDpi xmlns:a14="http://schemas.microsoft.com/office/drawing/2010/main" val="0"/>
+              </a:ext>
+            </a:extLst>
+          </a:blip>
+          <a:srcRect/>
+          <a:stretch>
+            <a:fillRect/>
+          </a:stretch>
+        </p:blipFill>
+        <p:spPr bwMode="auto">
+          <a:xfrm>
+            <a:off x="4982489" y="1854646"/>
+            <a:ext cx="360000" cy="360000"/>
+          </a:xfrm>
+          <a:prstGeom prst="rect">
+            <a:avLst/>
+          </a:prstGeom>
+          <a:noFill/>
+          <a:extLst>
+            <a:ext uri="{909E8E84-426E-40DD-AFC4-6F175D3DCCD1}">
+              <a14:hiddenFill xmlns:a14="http://schemas.microsoft.com/office/drawing/2010/main">
+                <a:solidFill>
+                  <a:srgbClr val="FFFFFF"/>
+                </a:solidFill>
+              </a14:hiddenFill>
+            </a:ext>
+          </a:extLst>
+        </p:spPr>
+      </p:pic>
     </p:spTree>
     <p:extLst>
       <p:ext uri="{BB962C8B-B14F-4D97-AF65-F5344CB8AC3E}">
